--- a/weekly_team_presentation/week5.pptx
+++ b/weekly_team_presentation/week5.pptx
@@ -15,7 +15,6 @@
     <p:sldId id="260" r:id="rId10"/>
     <p:sldId id="261" r:id="rId11"/>
     <p:sldId id="262" r:id="rId12"/>
-    <p:sldId id="263" r:id="rId13"/>
   </p:sldIdLst>
   <p:sldSz cy="6858000" cx="12192000"/>
   <p:notesSz cx="7772400" cy="10058400"/>
@@ -250,7 +249,7 @@
   </p:defaultTextStyle>
   <p:extLst>
     <p:ext uri="http://customooxmlschemas.google.com/">
-      <go:slidesCustomData xmlns:go="http://customooxmlschemas.google.com/" r:id="rId14" roundtripDataSignature="AMtx7mhg0bthG4tLOAperAlKKrnNke0bOA=="/>
+      <go:slidesCustomData xmlns:go="http://customooxmlschemas.google.com/" r:id="rId13" roundtripDataSignature="AMtx7mj4twgZi73x8gST6NOERt/V7E9bKg=="/>
     </p:ext>
   </p:extLst>
 </p:presentation>
@@ -998,7 +997,7 @@
       </p:grpSpPr>
       <p:sp>
         <p:nvSpPr>
-          <p:cNvPr id="129" name="Google Shape;129;p3:notes"/>
+          <p:cNvPr id="129" name="Google Shape;129;g210e0aba0ba_2_15:notes"/>
           <p:cNvSpPr txBox="1"/>
           <p:nvPr>
             <p:ph idx="1" type="body"/>
@@ -1007,7 +1006,7 @@
         <p:spPr>
           <a:xfrm>
             <a:off x="777225" y="4777725"/>
-            <a:ext cx="6217900" cy="4526275"/>
+            <a:ext cx="6217800" cy="4526400"/>
           </a:xfrm>
           <a:prstGeom prst="rect">
             <a:avLst/>
@@ -1037,7 +1036,7 @@
       </p:sp>
       <p:sp>
         <p:nvSpPr>
-          <p:cNvPr id="130" name="Google Shape;130;p3:notes"/>
+          <p:cNvPr id="130" name="Google Shape;130;g210e0aba0ba_2_15:notes"/>
           <p:cNvSpPr/>
           <p:nvPr>
             <p:ph idx="2" type="sldImg"/>
@@ -1046,7 +1045,7 @@
         <p:spPr>
           <a:xfrm>
             <a:off x="1295650" y="754375"/>
-            <a:ext cx="5181850" cy="3771900"/>
+            <a:ext cx="5181900" cy="3771900"/>
           </a:xfrm>
           <a:custGeom>
             <a:rect b="b" l="l" r="r" t="t"/>
@@ -1097,7 +1096,7 @@
       </p:grpSpPr>
       <p:sp>
         <p:nvSpPr>
-          <p:cNvPr id="142" name="Google Shape;142;g210e0aba0ba_2_15:notes"/>
+          <p:cNvPr id="142" name="Google Shape;142;g210e0aba0ba_2_1:notes"/>
           <p:cNvSpPr txBox="1"/>
           <p:nvPr>
             <p:ph idx="1" type="body"/>
@@ -1136,7 +1135,7 @@
       </p:sp>
       <p:sp>
         <p:nvSpPr>
-          <p:cNvPr id="143" name="Google Shape;143;g210e0aba0ba_2_15:notes"/>
+          <p:cNvPr id="143" name="Google Shape;143;g210e0aba0ba_2_1:notes"/>
           <p:cNvSpPr/>
           <p:nvPr>
             <p:ph idx="2" type="sldImg"/>
@@ -1196,106 +1195,7 @@
       </p:grpSpPr>
       <p:sp>
         <p:nvSpPr>
-          <p:cNvPr id="155" name="Google Shape;155;g210e0aba0ba_2_1:notes"/>
-          <p:cNvSpPr txBox="1"/>
-          <p:nvPr>
-            <p:ph idx="1" type="body"/>
-          </p:nvPr>
-        </p:nvSpPr>
-        <p:spPr>
-          <a:xfrm>
-            <a:off x="777225" y="4777725"/>
-            <a:ext cx="6217800" cy="4526400"/>
-          </a:xfrm>
-          <a:prstGeom prst="rect">
-            <a:avLst/>
-          </a:prstGeom>
-        </p:spPr>
-        <p:txBody>
-          <a:bodyPr anchorCtr="0" anchor="t" bIns="91425" lIns="91425" spcFirstLastPara="1" rIns="91425" wrap="square" tIns="91425">
-            <a:noAutofit/>
-          </a:bodyPr>
-          <a:lstStyle/>
-          <a:p>
-            <a:pPr indent="0" lvl="0" marL="0" rtl="0" algn="l">
-              <a:spcBef>
-                <a:spcPts val="0"/>
-              </a:spcBef>
-              <a:spcAft>
-                <a:spcPts val="0"/>
-              </a:spcAft>
-              <a:buNone/>
-            </a:pPr>
-            <a:r>
-              <a:t/>
-            </a:r>
-            <a:endParaRPr/>
-          </a:p>
-        </p:txBody>
-      </p:sp>
-      <p:sp>
-        <p:nvSpPr>
-          <p:cNvPr id="156" name="Google Shape;156;g210e0aba0ba_2_1:notes"/>
-          <p:cNvSpPr/>
-          <p:nvPr>
-            <p:ph idx="2" type="sldImg"/>
-          </p:nvPr>
-        </p:nvSpPr>
-        <p:spPr>
-          <a:xfrm>
-            <a:off x="1295650" y="754375"/>
-            <a:ext cx="5181900" cy="3771900"/>
-          </a:xfrm>
-          <a:custGeom>
-            <a:rect b="b" l="l" r="r" t="t"/>
-            <a:pathLst>
-              <a:path extrusionOk="0" h="120000" w="120000">
-                <a:moveTo>
-                  <a:pt x="0" y="0"/>
-                </a:moveTo>
-                <a:lnTo>
-                  <a:pt x="120000" y="0"/>
-                </a:lnTo>
-                <a:lnTo>
-                  <a:pt x="120000" y="120000"/>
-                </a:lnTo>
-                <a:lnTo>
-                  <a:pt x="0" y="120000"/>
-                </a:lnTo>
-                <a:close/>
-              </a:path>
-            </a:pathLst>
-          </a:custGeom>
-        </p:spPr>
-      </p:sp>
-    </p:spTree>
-  </p:cSld>
-  <p:clrMapOvr>
-    <a:masterClrMapping/>
-  </p:clrMapOvr>
-</p:notes>
-</file>
-
-<file path=ppt/notesSlides/notesSlide7.xml><?xml version="1.0" encoding="utf-8"?>
-<p:notes xmlns:a="http://schemas.openxmlformats.org/drawingml/2006/main" xmlns:r="http://schemas.openxmlformats.org/officeDocument/2006/relationships" xmlns:mc="http://schemas.openxmlformats.org/markup-compatibility/2006" xmlns:mv="urn:schemas-microsoft-com:mac:vml" xmlns:p="http://schemas.openxmlformats.org/presentationml/2006/main" xmlns:c="http://schemas.openxmlformats.org/drawingml/2006/chart" xmlns:dgm="http://schemas.openxmlformats.org/drawingml/2006/diagram" xmlns:o="urn:schemas-microsoft-com:office:office" xmlns:v="urn:schemas-microsoft-com:vml" xmlns:pvml="urn:schemas-microsoft-com:office:powerpoint" xmlns:com="http://schemas.openxmlformats.org/drawingml/2006/compatibility" xmlns:p14="http://schemas.microsoft.com/office/powerpoint/2010/main" xmlns:p15="http://schemas.microsoft.com/office/powerpoint/2012/main" xmlns:ahyp="http://schemas.microsoft.com/office/drawing/2018/hyperlinkcolor" showMasterPhAnim="0" showMasterSp="0">
-  <p:cSld>
-    <p:spTree>
-      <p:nvGrpSpPr>
-        <p:cNvPr id="167" name="Shape 167"/>
-        <p:cNvGrpSpPr/>
-        <p:nvPr/>
-      </p:nvGrpSpPr>
-      <p:grpSpPr>
-        <a:xfrm>
-          <a:off x="0" y="0"/>
-          <a:ext cx="0" cy="0"/>
-          <a:chOff x="0" y="0"/>
-          <a:chExt cx="0" cy="0"/>
-        </a:xfrm>
-      </p:grpSpPr>
-      <p:sp>
-        <p:nvSpPr>
-          <p:cNvPr id="168" name="Google Shape;168;p5:notes"/>
+          <p:cNvPr id="155" name="Google Shape;155;p5:notes"/>
           <p:cNvSpPr txBox="1"/>
           <p:nvPr>
             <p:ph idx="1" type="body"/>
@@ -1334,7 +1234,7 @@
       </p:sp>
       <p:sp>
         <p:nvSpPr>
-          <p:cNvPr id="169" name="Google Shape;169;p5:notes"/>
+          <p:cNvPr id="156" name="Google Shape;156;p5:notes"/>
           <p:cNvSpPr/>
           <p:nvPr>
             <p:ph idx="2" type="sldImg"/>
@@ -1375,12 +1275,12 @@
 </p:notes>
 </file>
 
-<file path=ppt/notesSlides/notesSlide8.xml><?xml version="1.0" encoding="utf-8"?>
+<file path=ppt/notesSlides/notesSlide7.xml><?xml version="1.0" encoding="utf-8"?>
 <p:notes xmlns:a="http://schemas.openxmlformats.org/drawingml/2006/main" xmlns:r="http://schemas.openxmlformats.org/officeDocument/2006/relationships" xmlns:mc="http://schemas.openxmlformats.org/markup-compatibility/2006" xmlns:mv="urn:schemas-microsoft-com:mac:vml" xmlns:p="http://schemas.openxmlformats.org/presentationml/2006/main" xmlns:c="http://schemas.openxmlformats.org/drawingml/2006/chart" xmlns:dgm="http://schemas.openxmlformats.org/drawingml/2006/diagram" xmlns:o="urn:schemas-microsoft-com:office:office" xmlns:v="urn:schemas-microsoft-com:vml" xmlns:pvml="urn:schemas-microsoft-com:office:powerpoint" xmlns:com="http://schemas.openxmlformats.org/drawingml/2006/compatibility" xmlns:p14="http://schemas.microsoft.com/office/powerpoint/2010/main" xmlns:p15="http://schemas.microsoft.com/office/powerpoint/2012/main" xmlns:ahyp="http://schemas.microsoft.com/office/drawing/2018/hyperlinkcolor" showMasterPhAnim="0" showMasterSp="0">
   <p:cSld>
     <p:spTree>
       <p:nvGrpSpPr>
-        <p:cNvPr id="179" name="Shape 179"/>
+        <p:cNvPr id="166" name="Shape 166"/>
         <p:cNvGrpSpPr/>
         <p:nvPr/>
       </p:nvGrpSpPr>
@@ -1394,7 +1294,7 @@
       </p:grpSpPr>
       <p:sp>
         <p:nvSpPr>
-          <p:cNvPr id="180" name="Google Shape;180;p6:notes"/>
+          <p:cNvPr id="167" name="Google Shape;167;p6:notes"/>
           <p:cNvSpPr txBox="1"/>
           <p:nvPr>
             <p:ph idx="1" type="body"/>
@@ -1433,7 +1333,7 @@
       </p:sp>
       <p:sp>
         <p:nvSpPr>
-          <p:cNvPr id="181" name="Google Shape;181;p6:notes"/>
+          <p:cNvPr id="168" name="Google Shape;168;p6:notes"/>
           <p:cNvSpPr/>
           <p:nvPr>
             <p:ph idx="2" type="sldImg"/>
@@ -14722,7 +14622,7 @@
                 <a:cs typeface="Avenir"/>
                 <a:sym typeface="Avenir"/>
               </a:rPr>
-              <a:t>Nicolas Semaan</a:t>
+              <a:t>Nicholas Semaan</a:t>
             </a:r>
             <a:endParaRPr b="0" i="0" sz="1800" u="none" cap="none" strike="noStrike">
               <a:solidFill>
@@ -15015,7 +14915,7 @@
             <a:tbl>
               <a:tblPr>
                 <a:noFill/>
-                <a:tableStyleId>{198741A8-67A8-4FDE-8AD7-768776ADC4C0}</a:tableStyleId>
+                <a:tableStyleId>{E79AEFBA-B33D-4976-A39D-751E358DCCDE}</a:tableStyleId>
               </a:tblPr>
               <a:tblGrid>
                 <a:gridCol w="2412000"/>
@@ -16503,14 +16403,14 @@
       </p:grpSpPr>
       <p:sp>
         <p:nvSpPr>
-          <p:cNvPr id="132" name="Google Shape;132;p3"/>
+          <p:cNvPr id="132" name="Google Shape;132;g210e0aba0ba_2_15"/>
           <p:cNvSpPr/>
           <p:nvPr/>
         </p:nvSpPr>
         <p:spPr>
           <a:xfrm>
             <a:off x="0" y="0"/>
-            <a:ext cx="12191040" cy="6856920"/>
+            <a:ext cx="12191100" cy="6856800"/>
           </a:xfrm>
           <a:prstGeom prst="rect">
             <a:avLst/>
@@ -16557,7 +16457,7 @@
       </p:sp>
       <p:pic>
         <p:nvPicPr>
-          <p:cNvPr id="133" name="Google Shape;133;p3"/>
+          <p:cNvPr id="133" name="Google Shape;133;g210e0aba0ba_2_15"/>
           <p:cNvPicPr preferRelativeResize="0"/>
           <p:nvPr/>
         </p:nvPicPr>
@@ -16584,14 +16484,14 @@
       </p:pic>
       <p:sp>
         <p:nvSpPr>
-          <p:cNvPr id="134" name="Google Shape;134;p3"/>
+          <p:cNvPr id="134" name="Google Shape;134;g210e0aba0ba_2_15"/>
           <p:cNvSpPr/>
           <p:nvPr/>
         </p:nvSpPr>
         <p:spPr>
           <a:xfrm>
             <a:off x="0" y="0"/>
-            <a:ext cx="12187800" cy="6856920"/>
+            <a:ext cx="12187800" cy="6856800"/>
           </a:xfrm>
           <a:prstGeom prst="rect">
             <a:avLst/>
@@ -16638,7 +16538,7 @@
       </p:sp>
       <p:sp>
         <p:nvSpPr>
-          <p:cNvPr id="135" name="Google Shape;135;p3"/>
+          <p:cNvPr id="135" name="Google Shape;135;g210e0aba0ba_2_15"/>
           <p:cNvSpPr/>
           <p:nvPr/>
         </p:nvSpPr>
@@ -16700,517 +16600,7 @@
       </p:sp>
       <p:sp>
         <p:nvSpPr>
-          <p:cNvPr id="136" name="Google Shape;136;p3"/>
-          <p:cNvSpPr txBox="1"/>
-          <p:nvPr>
-            <p:ph type="title"/>
-          </p:nvPr>
-        </p:nvSpPr>
-        <p:spPr>
-          <a:xfrm>
-            <a:off x="609480" y="273600"/>
-            <a:ext cx="10972500" cy="1144800"/>
-          </a:xfrm>
-          <a:prstGeom prst="rect">
-            <a:avLst/>
-          </a:prstGeom>
-          <a:noFill/>
-          <a:ln>
-            <a:noFill/>
-          </a:ln>
-        </p:spPr>
-        <p:txBody>
-          <a:bodyPr anchorCtr="0" anchor="ctr" bIns="45000" lIns="90000" spcFirstLastPara="1" rIns="90000" wrap="square" tIns="45000">
-            <a:normAutofit/>
-          </a:bodyPr>
-          <a:lstStyle/>
-          <a:p>
-            <a:pPr indent="0" lvl="0" marL="0" marR="0" rtl="0" algn="ctr">
-              <a:lnSpc>
-                <a:spcPct val="100000"/>
-              </a:lnSpc>
-              <a:spcBef>
-                <a:spcPts val="0"/>
-              </a:spcBef>
-              <a:spcAft>
-                <a:spcPts val="0"/>
-              </a:spcAft>
-              <a:buClr>
-                <a:srgbClr val="203835"/>
-              </a:buClr>
-              <a:buSzPts val="4400"/>
-              <a:buFont typeface="Avenir"/>
-              <a:buNone/>
-            </a:pPr>
-            <a:r>
-              <a:rPr b="1" i="0" lang="en-US" sz="4400" u="none" cap="none" strike="noStrike">
-                <a:solidFill>
-                  <a:srgbClr val="203835"/>
-                </a:solidFill>
-                <a:latin typeface="Avenir"/>
-                <a:ea typeface="Avenir"/>
-                <a:cs typeface="Avenir"/>
-                <a:sym typeface="Avenir"/>
-              </a:rPr>
-              <a:t>Use Case: Book Generation</a:t>
-            </a:r>
-            <a:endParaRPr b="0" i="0" sz="4400" u="none" cap="none" strike="noStrike">
-              <a:solidFill>
-                <a:srgbClr val="000000"/>
-              </a:solidFill>
-              <a:latin typeface="Arial"/>
-              <a:ea typeface="Arial"/>
-              <a:cs typeface="Arial"/>
-              <a:sym typeface="Arial"/>
-            </a:endParaRPr>
-          </a:p>
-        </p:txBody>
-      </p:sp>
-      <p:sp>
-        <p:nvSpPr>
-          <p:cNvPr id="137" name="Google Shape;137;p3"/>
-          <p:cNvSpPr/>
-          <p:nvPr/>
-        </p:nvSpPr>
-        <p:spPr>
-          <a:xfrm>
-            <a:off x="0" y="2689664"/>
-            <a:ext cx="12191100" cy="4167300"/>
-          </a:xfrm>
-          <a:prstGeom prst="rect">
-            <a:avLst/>
-          </a:prstGeom>
-          <a:solidFill>
-            <a:srgbClr val="2E524D"/>
-          </a:solidFill>
-          <a:ln>
-            <a:noFill/>
-          </a:ln>
-        </p:spPr>
-        <p:txBody>
-          <a:bodyPr anchorCtr="0" anchor="ctr" bIns="45000" lIns="90000" spcFirstLastPara="1" rIns="90000" wrap="square" tIns="45000">
-            <a:noAutofit/>
-          </a:bodyPr>
-          <a:lstStyle/>
-          <a:p>
-            <a:pPr indent="0" lvl="0" marL="0" marR="0" rtl="0" algn="ctr">
-              <a:lnSpc>
-                <a:spcPct val="100000"/>
-              </a:lnSpc>
-              <a:spcBef>
-                <a:spcPts val="0"/>
-              </a:spcBef>
-              <a:spcAft>
-                <a:spcPts val="0"/>
-              </a:spcAft>
-              <a:buNone/>
-            </a:pPr>
-            <a:r>
-              <a:t/>
-            </a:r>
-            <a:endParaRPr b="0" i="0" sz="1800" u="none" cap="none" strike="noStrike">
-              <a:solidFill>
-                <a:srgbClr val="595959"/>
-              </a:solidFill>
-              <a:latin typeface="Avenir"/>
-              <a:ea typeface="Avenir"/>
-              <a:cs typeface="Avenir"/>
-              <a:sym typeface="Avenir"/>
-            </a:endParaRPr>
-          </a:p>
-        </p:txBody>
-      </p:sp>
-      <p:sp>
-        <p:nvSpPr>
-          <p:cNvPr id="138" name="Google Shape;138;p3"/>
-          <p:cNvSpPr/>
-          <p:nvPr/>
-        </p:nvSpPr>
-        <p:spPr>
-          <a:xfrm rot="10800000">
-            <a:off x="-1650" y="2677525"/>
-            <a:ext cx="12191100" cy="4212900"/>
-          </a:xfrm>
-          <a:prstGeom prst="rect">
-            <a:avLst/>
-          </a:prstGeom>
-          <a:blipFill rotWithShape="0">
-            <a:blip r:embed="rId4">
-              <a:alphaModFix amt="20000"/>
-            </a:blip>
-            <a:tile algn="tl" flip="none" tx="893250" sx="100000" ty="3086825" sy="100000"/>
-          </a:blipFill>
-          <a:ln>
-            <a:noFill/>
-          </a:ln>
-        </p:spPr>
-        <p:txBody>
-          <a:bodyPr anchorCtr="0" anchor="ctr" bIns="45000" lIns="90000" spcFirstLastPara="1" rIns="90000" wrap="square" tIns="45000">
-            <a:noAutofit/>
-          </a:bodyPr>
-          <a:lstStyle/>
-          <a:p>
-            <a:pPr indent="0" lvl="0" marL="0" marR="0" rtl="0" algn="ctr">
-              <a:lnSpc>
-                <a:spcPct val="100000"/>
-              </a:lnSpc>
-              <a:spcBef>
-                <a:spcPts val="0"/>
-              </a:spcBef>
-              <a:spcAft>
-                <a:spcPts val="0"/>
-              </a:spcAft>
-              <a:buNone/>
-            </a:pPr>
-            <a:r>
-              <a:t/>
-            </a:r>
-            <a:endParaRPr b="0" i="0" sz="1800" u="none" cap="none" strike="noStrike">
-              <a:solidFill>
-                <a:schemeClr val="lt1"/>
-              </a:solidFill>
-              <a:latin typeface="Avenir"/>
-              <a:ea typeface="Avenir"/>
-              <a:cs typeface="Avenir"/>
-              <a:sym typeface="Avenir"/>
-            </a:endParaRPr>
-          </a:p>
-        </p:txBody>
-      </p:sp>
-      <p:pic>
-        <p:nvPicPr>
-          <p:cNvPr id="139" name="Google Shape;139;p3"/>
-          <p:cNvPicPr preferRelativeResize="0"/>
-          <p:nvPr/>
-        </p:nvPicPr>
-        <p:blipFill>
-          <a:blip r:embed="rId5">
-            <a:alphaModFix/>
-          </a:blip>
-          <a:stretch>
-            <a:fillRect/>
-          </a:stretch>
-        </p:blipFill>
-        <p:spPr>
-          <a:xfrm>
-            <a:off x="2838563" y="2866125"/>
-            <a:ext cx="6510674" cy="3754449"/>
-          </a:xfrm>
-          <a:prstGeom prst="rect">
-            <a:avLst/>
-          </a:prstGeom>
-          <a:noFill/>
-          <a:ln cap="flat" cmpd="sng" w="12700">
-            <a:solidFill>
-              <a:srgbClr val="F2F2F2"/>
-            </a:solidFill>
-            <a:prstDash val="solid"/>
-            <a:miter lim="8000"/>
-            <a:headEnd len="sm" w="sm" type="none"/>
-            <a:tailEnd len="sm" w="sm" type="none"/>
-          </a:ln>
-        </p:spPr>
-      </p:pic>
-      <p:sp>
-        <p:nvSpPr>
-          <p:cNvPr id="140" name="Google Shape;140;p3"/>
-          <p:cNvSpPr txBox="1"/>
-          <p:nvPr>
-            <p:ph idx="1" type="body"/>
-          </p:nvPr>
-        </p:nvSpPr>
-        <p:spPr>
-          <a:xfrm>
-            <a:off x="609755" y="1439695"/>
-            <a:ext cx="10972500" cy="3977400"/>
-          </a:xfrm>
-          <a:prstGeom prst="rect">
-            <a:avLst/>
-          </a:prstGeom>
-        </p:spPr>
-        <p:txBody>
-          <a:bodyPr anchorCtr="0" anchor="t" bIns="0" lIns="0" spcFirstLastPara="1" rIns="0" wrap="square" tIns="0">
-            <a:normAutofit/>
-          </a:bodyPr>
-          <a:lstStyle/>
-          <a:p>
-            <a:pPr indent="0" lvl="0" marL="0" rtl="0" algn="l">
-              <a:spcBef>
-                <a:spcPts val="0"/>
-              </a:spcBef>
-              <a:spcAft>
-                <a:spcPts val="0"/>
-              </a:spcAft>
-              <a:buClr>
-                <a:schemeClr val="dk1"/>
-              </a:buClr>
-              <a:buSzPts val="1100"/>
-              <a:buFont typeface="Arial"/>
-              <a:buNone/>
-            </a:pPr>
-            <a:r>
-              <a:rPr lang="en-US">
-                <a:solidFill>
-                  <a:schemeClr val="dk1"/>
-                </a:solidFill>
-              </a:rPr>
-              <a:t>A user wants to generate a book and clicks on the Book link in the navigation bar. They are taken to the Book page where they fill out the form with details about the characters and settings they want in their book. The form includes fields for character names, ages, and story settings.</a:t>
-            </a:r>
-            <a:endParaRPr>
-              <a:solidFill>
-                <a:schemeClr val="dk1"/>
-              </a:solidFill>
-            </a:endParaRPr>
-          </a:p>
-          <a:p>
-            <a:pPr indent="0" lvl="0" marL="0" rtl="0" algn="l">
-              <a:spcBef>
-                <a:spcPts val="0"/>
-              </a:spcBef>
-              <a:spcAft>
-                <a:spcPts val="0"/>
-              </a:spcAft>
-              <a:buNone/>
-            </a:pPr>
-            <a:r>
-              <a:t/>
-            </a:r>
-            <a:endParaRPr/>
-          </a:p>
-        </p:txBody>
-      </p:sp>
-    </p:spTree>
-  </p:cSld>
-  <p:clrMapOvr>
-    <a:masterClrMapping/>
-  </p:clrMapOvr>
-</p:sld>
-</file>
-
-<file path=ppt/slides/slide5.xml><?xml version="1.0" encoding="utf-8"?>
-<p:sld xmlns:a="http://schemas.openxmlformats.org/drawingml/2006/main" xmlns:r="http://schemas.openxmlformats.org/officeDocument/2006/relationships" xmlns:mc="http://schemas.openxmlformats.org/markup-compatibility/2006" xmlns:mv="urn:schemas-microsoft-com:mac:vml" xmlns:p="http://schemas.openxmlformats.org/presentationml/2006/main" xmlns:c="http://schemas.openxmlformats.org/drawingml/2006/chart" xmlns:dgm="http://schemas.openxmlformats.org/drawingml/2006/diagram" xmlns:o="urn:schemas-microsoft-com:office:office" xmlns:v="urn:schemas-microsoft-com:vml" xmlns:pvml="urn:schemas-microsoft-com:office:powerpoint" xmlns:com="http://schemas.openxmlformats.org/drawingml/2006/compatibility" xmlns:p14="http://schemas.microsoft.com/office/powerpoint/2010/main" xmlns:p15="http://schemas.microsoft.com/office/powerpoint/2012/main" xmlns:ahyp="http://schemas.microsoft.com/office/drawing/2018/hyperlinkcolor">
-  <p:cSld>
-    <p:bg>
-      <p:bgPr>
-        <a:solidFill>
-          <a:srgbClr val="FFFFFF"/>
-        </a:solidFill>
-      </p:bgPr>
-    </p:bg>
-    <p:spTree>
-      <p:nvGrpSpPr>
-        <p:cNvPr id="144" name="Shape 144"/>
-        <p:cNvGrpSpPr/>
-        <p:nvPr/>
-      </p:nvGrpSpPr>
-      <p:grpSpPr>
-        <a:xfrm>
-          <a:off x="0" y="0"/>
-          <a:ext cx="0" cy="0"/>
-          <a:chOff x="0" y="0"/>
-          <a:chExt cx="0" cy="0"/>
-        </a:xfrm>
-      </p:grpSpPr>
-      <p:sp>
-        <p:nvSpPr>
-          <p:cNvPr id="145" name="Google Shape;145;g210e0aba0ba_2_15"/>
-          <p:cNvSpPr/>
-          <p:nvPr/>
-        </p:nvSpPr>
-        <p:spPr>
-          <a:xfrm>
-            <a:off x="0" y="0"/>
-            <a:ext cx="12191100" cy="6856800"/>
-          </a:xfrm>
-          <a:prstGeom prst="rect">
-            <a:avLst/>
-          </a:prstGeom>
-          <a:solidFill>
-            <a:srgbClr val="2E524D"/>
-          </a:solidFill>
-          <a:ln>
-            <a:noFill/>
-          </a:ln>
-        </p:spPr>
-        <p:txBody>
-          <a:bodyPr anchorCtr="0" anchor="ctr" bIns="45000" lIns="90000" spcFirstLastPara="1" rIns="90000" wrap="square" tIns="45000">
-            <a:noAutofit/>
-          </a:bodyPr>
-          <a:lstStyle/>
-          <a:p>
-            <a:pPr indent="0" lvl="0" marL="0" marR="0" rtl="0" algn="ctr">
-              <a:lnSpc>
-                <a:spcPct val="100000"/>
-              </a:lnSpc>
-              <a:spcBef>
-                <a:spcPts val="0"/>
-              </a:spcBef>
-              <a:spcAft>
-                <a:spcPts val="0"/>
-              </a:spcAft>
-              <a:buNone/>
-            </a:pPr>
-            <a:r>
-              <a:t/>
-            </a:r>
-            <a:endParaRPr b="0" i="0" sz="1800" u="none" cap="none" strike="noStrike">
-              <a:solidFill>
-                <a:srgbClr val="595959"/>
-              </a:solidFill>
-              <a:latin typeface="Avenir"/>
-              <a:ea typeface="Avenir"/>
-              <a:cs typeface="Avenir"/>
-              <a:sym typeface="Avenir"/>
-            </a:endParaRPr>
-          </a:p>
-        </p:txBody>
-      </p:sp>
-      <p:pic>
-        <p:nvPicPr>
-          <p:cNvPr id="146" name="Google Shape;146;g210e0aba0ba_2_15"/>
-          <p:cNvPicPr preferRelativeResize="0"/>
-          <p:nvPr/>
-        </p:nvPicPr>
-        <p:blipFill rotWithShape="1">
-          <a:blip r:embed="rId3">
-            <a:alphaModFix amt="35000"/>
-          </a:blip>
-          <a:srcRect b="0" l="0" r="0" t="0"/>
-          <a:stretch/>
-        </p:blipFill>
-        <p:spPr>
-          <a:xfrm>
-            <a:off x="0" y="0"/>
-            <a:ext cx="12191040" cy="1391400"/>
-          </a:xfrm>
-          <a:prstGeom prst="rect">
-            <a:avLst/>
-          </a:prstGeom>
-          <a:noFill/>
-          <a:ln>
-            <a:noFill/>
-          </a:ln>
-        </p:spPr>
-      </p:pic>
-      <p:sp>
-        <p:nvSpPr>
-          <p:cNvPr id="147" name="Google Shape;147;g210e0aba0ba_2_15"/>
-          <p:cNvSpPr/>
-          <p:nvPr/>
-        </p:nvSpPr>
-        <p:spPr>
-          <a:xfrm>
-            <a:off x="0" y="0"/>
-            <a:ext cx="12187800" cy="6856800"/>
-          </a:xfrm>
-          <a:prstGeom prst="rect">
-            <a:avLst/>
-          </a:prstGeom>
-          <a:solidFill>
-            <a:srgbClr val="FFFFFF"/>
-          </a:solidFill>
-          <a:ln>
-            <a:noFill/>
-          </a:ln>
-        </p:spPr>
-        <p:txBody>
-          <a:bodyPr anchorCtr="0" anchor="ctr" bIns="45000" lIns="90000" spcFirstLastPara="1" rIns="90000" wrap="square" tIns="45000">
-            <a:noAutofit/>
-          </a:bodyPr>
-          <a:lstStyle/>
-          <a:p>
-            <a:pPr indent="0" lvl="0" marL="0" marR="0" rtl="0" algn="ctr">
-              <a:lnSpc>
-                <a:spcPct val="100000"/>
-              </a:lnSpc>
-              <a:spcBef>
-                <a:spcPts val="0"/>
-              </a:spcBef>
-              <a:spcAft>
-                <a:spcPts val="0"/>
-              </a:spcAft>
-              <a:buNone/>
-            </a:pPr>
-            <a:r>
-              <a:t/>
-            </a:r>
-            <a:endParaRPr b="0" i="0" sz="1800" u="none" cap="none" strike="noStrike">
-              <a:solidFill>
-                <a:srgbClr val="595959"/>
-              </a:solidFill>
-              <a:latin typeface="Avenir"/>
-              <a:ea typeface="Avenir"/>
-              <a:cs typeface="Avenir"/>
-              <a:sym typeface="Avenir"/>
-            </a:endParaRPr>
-          </a:p>
-        </p:txBody>
-      </p:sp>
-      <p:sp>
-        <p:nvSpPr>
-          <p:cNvPr id="148" name="Google Shape;148;g210e0aba0ba_2_15"/>
-          <p:cNvSpPr/>
-          <p:nvPr/>
-        </p:nvSpPr>
-        <p:spPr>
-          <a:xfrm>
-            <a:off x="0" y="0"/>
-            <a:ext cx="12187800" cy="6856800"/>
-          </a:xfrm>
-          <a:prstGeom prst="rect">
-            <a:avLst/>
-          </a:prstGeom>
-          <a:solidFill>
-            <a:schemeClr val="lt2">
-              <a:alpha val="60780"/>
-            </a:schemeClr>
-          </a:solidFill>
-          <a:ln cap="flat" cmpd="sng" w="12700">
-            <a:solidFill>
-              <a:srgbClr val="F2F2F2"/>
-            </a:solidFill>
-            <a:prstDash val="solid"/>
-            <a:miter lim="8000"/>
-            <a:headEnd len="sm" w="sm" type="none"/>
-            <a:tailEnd len="sm" w="sm" type="none"/>
-          </a:ln>
-        </p:spPr>
-        <p:txBody>
-          <a:bodyPr anchorCtr="0" anchor="ctr" bIns="45000" lIns="90000" spcFirstLastPara="1" rIns="90000" wrap="square" tIns="45000">
-            <a:noAutofit/>
-          </a:bodyPr>
-          <a:lstStyle/>
-          <a:p>
-            <a:pPr indent="0" lvl="0" marL="0" marR="0" rtl="0" algn="ctr">
-              <a:lnSpc>
-                <a:spcPct val="100000"/>
-              </a:lnSpc>
-              <a:spcBef>
-                <a:spcPts val="0"/>
-              </a:spcBef>
-              <a:spcAft>
-                <a:spcPts val="0"/>
-              </a:spcAft>
-              <a:buNone/>
-            </a:pPr>
-            <a:r>
-              <a:t/>
-            </a:r>
-            <a:endParaRPr b="0" i="0" sz="1800" u="none" cap="none" strike="noStrike">
-              <a:solidFill>
-                <a:srgbClr val="595959"/>
-              </a:solidFill>
-              <a:latin typeface="Avenir"/>
-              <a:ea typeface="Avenir"/>
-              <a:cs typeface="Avenir"/>
-              <a:sym typeface="Avenir"/>
-            </a:endParaRPr>
-          </a:p>
-        </p:txBody>
-      </p:sp>
-      <p:sp>
-        <p:nvSpPr>
-          <p:cNvPr id="149" name="Google Shape;149;g210e0aba0ba_2_15"/>
+          <p:cNvPr id="136" name="Google Shape;136;g210e0aba0ba_2_15"/>
           <p:cNvSpPr txBox="1"/>
           <p:nvPr>
             <p:ph type="title"/>
@@ -17290,7 +16680,7 @@
       </p:sp>
       <p:sp>
         <p:nvSpPr>
-          <p:cNvPr id="150" name="Google Shape;150;g210e0aba0ba_2_15"/>
+          <p:cNvPr id="137" name="Google Shape;137;g210e0aba0ba_2_15"/>
           <p:cNvSpPr/>
           <p:nvPr/>
         </p:nvSpPr>
@@ -17344,7 +16734,7 @@
       </p:sp>
       <p:sp>
         <p:nvSpPr>
-          <p:cNvPr id="151" name="Google Shape;151;g210e0aba0ba_2_15"/>
+          <p:cNvPr id="138" name="Google Shape;138;g210e0aba0ba_2_15"/>
           <p:cNvSpPr/>
           <p:nvPr/>
         </p:nvSpPr>
@@ -17401,7 +16791,7 @@
       </p:sp>
       <p:sp>
         <p:nvSpPr>
-          <p:cNvPr id="152" name="Google Shape;152;g210e0aba0ba_2_15"/>
+          <p:cNvPr id="139" name="Google Shape;139;g210e0aba0ba_2_15"/>
           <p:cNvSpPr txBox="1"/>
           <p:nvPr>
             <p:ph idx="1" type="body"/>
@@ -17469,7 +16859,7 @@
       </p:sp>
       <p:pic>
         <p:nvPicPr>
-          <p:cNvPr id="153" name="Google Shape;153;g210e0aba0ba_2_15"/>
+          <p:cNvPr id="140" name="Google Shape;140;g210e0aba0ba_2_15"/>
           <p:cNvPicPr preferRelativeResize="0"/>
           <p:nvPr/>
         </p:nvPicPr>
@@ -17485,6 +16875,510 @@
           <a:xfrm>
             <a:off x="2770588" y="2866340"/>
             <a:ext cx="6650824" cy="3835274"/>
+          </a:xfrm>
+          <a:prstGeom prst="rect">
+            <a:avLst/>
+          </a:prstGeom>
+          <a:noFill/>
+          <a:ln>
+            <a:noFill/>
+          </a:ln>
+        </p:spPr>
+      </p:pic>
+    </p:spTree>
+  </p:cSld>
+  <p:clrMapOvr>
+    <a:masterClrMapping/>
+  </p:clrMapOvr>
+</p:sld>
+</file>
+
+<file path=ppt/slides/slide5.xml><?xml version="1.0" encoding="utf-8"?>
+<p:sld xmlns:a="http://schemas.openxmlformats.org/drawingml/2006/main" xmlns:r="http://schemas.openxmlformats.org/officeDocument/2006/relationships" xmlns:mc="http://schemas.openxmlformats.org/markup-compatibility/2006" xmlns:mv="urn:schemas-microsoft-com:mac:vml" xmlns:p="http://schemas.openxmlformats.org/presentationml/2006/main" xmlns:c="http://schemas.openxmlformats.org/drawingml/2006/chart" xmlns:dgm="http://schemas.openxmlformats.org/drawingml/2006/diagram" xmlns:o="urn:schemas-microsoft-com:office:office" xmlns:v="urn:schemas-microsoft-com:vml" xmlns:pvml="urn:schemas-microsoft-com:office:powerpoint" xmlns:com="http://schemas.openxmlformats.org/drawingml/2006/compatibility" xmlns:p14="http://schemas.microsoft.com/office/powerpoint/2010/main" xmlns:p15="http://schemas.microsoft.com/office/powerpoint/2012/main" xmlns:ahyp="http://schemas.microsoft.com/office/drawing/2018/hyperlinkcolor">
+  <p:cSld>
+    <p:bg>
+      <p:bgPr>
+        <a:solidFill>
+          <a:srgbClr val="FFFFFF"/>
+        </a:solidFill>
+      </p:bgPr>
+    </p:bg>
+    <p:spTree>
+      <p:nvGrpSpPr>
+        <p:cNvPr id="144" name="Shape 144"/>
+        <p:cNvGrpSpPr/>
+        <p:nvPr/>
+      </p:nvGrpSpPr>
+      <p:grpSpPr>
+        <a:xfrm>
+          <a:off x="0" y="0"/>
+          <a:ext cx="0" cy="0"/>
+          <a:chOff x="0" y="0"/>
+          <a:chExt cx="0" cy="0"/>
+        </a:xfrm>
+      </p:grpSpPr>
+      <p:sp>
+        <p:nvSpPr>
+          <p:cNvPr id="145" name="Google Shape;145;g210e0aba0ba_2_1"/>
+          <p:cNvSpPr/>
+          <p:nvPr/>
+        </p:nvSpPr>
+        <p:spPr>
+          <a:xfrm>
+            <a:off x="0" y="0"/>
+            <a:ext cx="12191100" cy="6856800"/>
+          </a:xfrm>
+          <a:prstGeom prst="rect">
+            <a:avLst/>
+          </a:prstGeom>
+          <a:solidFill>
+            <a:srgbClr val="2E524D"/>
+          </a:solidFill>
+          <a:ln>
+            <a:noFill/>
+          </a:ln>
+        </p:spPr>
+        <p:txBody>
+          <a:bodyPr anchorCtr="0" anchor="ctr" bIns="45000" lIns="90000" spcFirstLastPara="1" rIns="90000" wrap="square" tIns="45000">
+            <a:noAutofit/>
+          </a:bodyPr>
+          <a:lstStyle/>
+          <a:p>
+            <a:pPr indent="0" lvl="0" marL="0" marR="0" rtl="0" algn="ctr">
+              <a:lnSpc>
+                <a:spcPct val="100000"/>
+              </a:lnSpc>
+              <a:spcBef>
+                <a:spcPts val="0"/>
+              </a:spcBef>
+              <a:spcAft>
+                <a:spcPts val="0"/>
+              </a:spcAft>
+              <a:buNone/>
+            </a:pPr>
+            <a:r>
+              <a:t/>
+            </a:r>
+            <a:endParaRPr b="0" i="0" sz="1800" u="none" cap="none" strike="noStrike">
+              <a:solidFill>
+                <a:srgbClr val="595959"/>
+              </a:solidFill>
+              <a:latin typeface="Avenir"/>
+              <a:ea typeface="Avenir"/>
+              <a:cs typeface="Avenir"/>
+              <a:sym typeface="Avenir"/>
+            </a:endParaRPr>
+          </a:p>
+        </p:txBody>
+      </p:sp>
+      <p:pic>
+        <p:nvPicPr>
+          <p:cNvPr id="146" name="Google Shape;146;g210e0aba0ba_2_1"/>
+          <p:cNvPicPr preferRelativeResize="0"/>
+          <p:nvPr/>
+        </p:nvPicPr>
+        <p:blipFill rotWithShape="1">
+          <a:blip r:embed="rId3">
+            <a:alphaModFix amt="35000"/>
+          </a:blip>
+          <a:srcRect b="0" l="0" r="0" t="0"/>
+          <a:stretch/>
+        </p:blipFill>
+        <p:spPr>
+          <a:xfrm>
+            <a:off x="0" y="0"/>
+            <a:ext cx="12191040" cy="1391400"/>
+          </a:xfrm>
+          <a:prstGeom prst="rect">
+            <a:avLst/>
+          </a:prstGeom>
+          <a:noFill/>
+          <a:ln>
+            <a:noFill/>
+          </a:ln>
+        </p:spPr>
+      </p:pic>
+      <p:sp>
+        <p:nvSpPr>
+          <p:cNvPr id="147" name="Google Shape;147;g210e0aba0ba_2_1"/>
+          <p:cNvSpPr/>
+          <p:nvPr/>
+        </p:nvSpPr>
+        <p:spPr>
+          <a:xfrm>
+            <a:off x="0" y="0"/>
+            <a:ext cx="12187800" cy="6856800"/>
+          </a:xfrm>
+          <a:prstGeom prst="rect">
+            <a:avLst/>
+          </a:prstGeom>
+          <a:solidFill>
+            <a:srgbClr val="FFFFFF"/>
+          </a:solidFill>
+          <a:ln>
+            <a:noFill/>
+          </a:ln>
+        </p:spPr>
+        <p:txBody>
+          <a:bodyPr anchorCtr="0" anchor="ctr" bIns="45000" lIns="90000" spcFirstLastPara="1" rIns="90000" wrap="square" tIns="45000">
+            <a:noAutofit/>
+          </a:bodyPr>
+          <a:lstStyle/>
+          <a:p>
+            <a:pPr indent="0" lvl="0" marL="0" marR="0" rtl="0" algn="ctr">
+              <a:lnSpc>
+                <a:spcPct val="100000"/>
+              </a:lnSpc>
+              <a:spcBef>
+                <a:spcPts val="0"/>
+              </a:spcBef>
+              <a:spcAft>
+                <a:spcPts val="0"/>
+              </a:spcAft>
+              <a:buNone/>
+            </a:pPr>
+            <a:r>
+              <a:t/>
+            </a:r>
+            <a:endParaRPr b="0" i="0" sz="1800" u="none" cap="none" strike="noStrike">
+              <a:solidFill>
+                <a:srgbClr val="595959"/>
+              </a:solidFill>
+              <a:latin typeface="Avenir"/>
+              <a:ea typeface="Avenir"/>
+              <a:cs typeface="Avenir"/>
+              <a:sym typeface="Avenir"/>
+            </a:endParaRPr>
+          </a:p>
+        </p:txBody>
+      </p:sp>
+      <p:sp>
+        <p:nvSpPr>
+          <p:cNvPr id="148" name="Google Shape;148;g210e0aba0ba_2_1"/>
+          <p:cNvSpPr/>
+          <p:nvPr/>
+        </p:nvSpPr>
+        <p:spPr>
+          <a:xfrm>
+            <a:off x="0" y="0"/>
+            <a:ext cx="12187800" cy="6856800"/>
+          </a:xfrm>
+          <a:prstGeom prst="rect">
+            <a:avLst/>
+          </a:prstGeom>
+          <a:solidFill>
+            <a:schemeClr val="lt2">
+              <a:alpha val="60780"/>
+            </a:schemeClr>
+          </a:solidFill>
+          <a:ln cap="flat" cmpd="sng" w="12700">
+            <a:solidFill>
+              <a:srgbClr val="F2F2F2"/>
+            </a:solidFill>
+            <a:prstDash val="solid"/>
+            <a:miter lim="8000"/>
+            <a:headEnd len="sm" w="sm" type="none"/>
+            <a:tailEnd len="sm" w="sm" type="none"/>
+          </a:ln>
+        </p:spPr>
+        <p:txBody>
+          <a:bodyPr anchorCtr="0" anchor="ctr" bIns="45000" lIns="90000" spcFirstLastPara="1" rIns="90000" wrap="square" tIns="45000">
+            <a:noAutofit/>
+          </a:bodyPr>
+          <a:lstStyle/>
+          <a:p>
+            <a:pPr indent="0" lvl="0" marL="0" marR="0" rtl="0" algn="ctr">
+              <a:lnSpc>
+                <a:spcPct val="100000"/>
+              </a:lnSpc>
+              <a:spcBef>
+                <a:spcPts val="0"/>
+              </a:spcBef>
+              <a:spcAft>
+                <a:spcPts val="0"/>
+              </a:spcAft>
+              <a:buNone/>
+            </a:pPr>
+            <a:r>
+              <a:t/>
+            </a:r>
+            <a:endParaRPr b="0" i="0" sz="1800" u="none" cap="none" strike="noStrike">
+              <a:solidFill>
+                <a:srgbClr val="595959"/>
+              </a:solidFill>
+              <a:latin typeface="Avenir"/>
+              <a:ea typeface="Avenir"/>
+              <a:cs typeface="Avenir"/>
+              <a:sym typeface="Avenir"/>
+            </a:endParaRPr>
+          </a:p>
+        </p:txBody>
+      </p:sp>
+      <p:sp>
+        <p:nvSpPr>
+          <p:cNvPr id="149" name="Google Shape;149;g210e0aba0ba_2_1"/>
+          <p:cNvSpPr txBox="1"/>
+          <p:nvPr>
+            <p:ph type="title"/>
+          </p:nvPr>
+        </p:nvSpPr>
+        <p:spPr>
+          <a:xfrm>
+            <a:off x="609480" y="273600"/>
+            <a:ext cx="10972500" cy="1144800"/>
+          </a:xfrm>
+          <a:prstGeom prst="rect">
+            <a:avLst/>
+          </a:prstGeom>
+          <a:noFill/>
+          <a:ln>
+            <a:noFill/>
+          </a:ln>
+        </p:spPr>
+        <p:txBody>
+          <a:bodyPr anchorCtr="0" anchor="ctr" bIns="45000" lIns="90000" spcFirstLastPara="1" rIns="90000" wrap="square" tIns="45000">
+            <a:normAutofit/>
+          </a:bodyPr>
+          <a:lstStyle/>
+          <a:p>
+            <a:pPr indent="0" lvl="0" marL="0" marR="0" rtl="0" algn="ctr">
+              <a:lnSpc>
+                <a:spcPct val="100000"/>
+              </a:lnSpc>
+              <a:spcBef>
+                <a:spcPts val="0"/>
+              </a:spcBef>
+              <a:spcAft>
+                <a:spcPts val="0"/>
+              </a:spcAft>
+              <a:buClr>
+                <a:srgbClr val="203835"/>
+              </a:buClr>
+              <a:buSzPts val="4400"/>
+              <a:buFont typeface="Avenir"/>
+              <a:buNone/>
+            </a:pPr>
+            <a:r>
+              <a:rPr b="1" i="0" lang="en-US" sz="4400" u="none" cap="none" strike="noStrike">
+                <a:solidFill>
+                  <a:srgbClr val="203835"/>
+                </a:solidFill>
+                <a:latin typeface="Avenir"/>
+                <a:ea typeface="Avenir"/>
+                <a:cs typeface="Avenir"/>
+                <a:sym typeface="Avenir"/>
+              </a:rPr>
+              <a:t>Use Case: Login</a:t>
+            </a:r>
+            <a:endParaRPr b="0" i="0" sz="4400" u="none" cap="none" strike="noStrike">
+              <a:solidFill>
+                <a:srgbClr val="000000"/>
+              </a:solidFill>
+              <a:latin typeface="Arial"/>
+              <a:ea typeface="Arial"/>
+              <a:cs typeface="Arial"/>
+              <a:sym typeface="Arial"/>
+            </a:endParaRPr>
+          </a:p>
+        </p:txBody>
+      </p:sp>
+      <p:sp>
+        <p:nvSpPr>
+          <p:cNvPr id="150" name="Google Shape;150;g210e0aba0ba_2_1"/>
+          <p:cNvSpPr/>
+          <p:nvPr/>
+        </p:nvSpPr>
+        <p:spPr>
+          <a:xfrm>
+            <a:off x="0" y="2689664"/>
+            <a:ext cx="12191100" cy="4167300"/>
+          </a:xfrm>
+          <a:prstGeom prst="rect">
+            <a:avLst/>
+          </a:prstGeom>
+          <a:solidFill>
+            <a:srgbClr val="2E524D"/>
+          </a:solidFill>
+          <a:ln>
+            <a:noFill/>
+          </a:ln>
+        </p:spPr>
+        <p:txBody>
+          <a:bodyPr anchorCtr="0" anchor="ctr" bIns="45000" lIns="90000" spcFirstLastPara="1" rIns="90000" wrap="square" tIns="45000">
+            <a:noAutofit/>
+          </a:bodyPr>
+          <a:lstStyle/>
+          <a:p>
+            <a:pPr indent="0" lvl="0" marL="0" marR="0" rtl="0" algn="ctr">
+              <a:lnSpc>
+                <a:spcPct val="100000"/>
+              </a:lnSpc>
+              <a:spcBef>
+                <a:spcPts val="0"/>
+              </a:spcBef>
+              <a:spcAft>
+                <a:spcPts val="0"/>
+              </a:spcAft>
+              <a:buNone/>
+            </a:pPr>
+            <a:r>
+              <a:t/>
+            </a:r>
+            <a:endParaRPr b="0" i="0" sz="1800" u="none" cap="none" strike="noStrike">
+              <a:solidFill>
+                <a:srgbClr val="595959"/>
+              </a:solidFill>
+              <a:latin typeface="Avenir"/>
+              <a:ea typeface="Avenir"/>
+              <a:cs typeface="Avenir"/>
+              <a:sym typeface="Avenir"/>
+            </a:endParaRPr>
+          </a:p>
+        </p:txBody>
+      </p:sp>
+      <p:sp>
+        <p:nvSpPr>
+          <p:cNvPr id="151" name="Google Shape;151;g210e0aba0ba_2_1"/>
+          <p:cNvSpPr/>
+          <p:nvPr/>
+        </p:nvSpPr>
+        <p:spPr>
+          <a:xfrm rot="10800000">
+            <a:off x="-1650" y="2677525"/>
+            <a:ext cx="12191100" cy="4212900"/>
+          </a:xfrm>
+          <a:prstGeom prst="rect">
+            <a:avLst/>
+          </a:prstGeom>
+          <a:blipFill rotWithShape="0">
+            <a:blip r:embed="rId4">
+              <a:alphaModFix amt="20000"/>
+            </a:blip>
+            <a:tile algn="tl" flip="none" tx="893250" sx="100006" ty="3086825" sy="100006"/>
+          </a:blipFill>
+          <a:ln>
+            <a:noFill/>
+          </a:ln>
+        </p:spPr>
+        <p:txBody>
+          <a:bodyPr anchorCtr="0" anchor="ctr" bIns="45000" lIns="90000" spcFirstLastPara="1" rIns="90000" wrap="square" tIns="45000">
+            <a:noAutofit/>
+          </a:bodyPr>
+          <a:lstStyle/>
+          <a:p>
+            <a:pPr indent="0" lvl="0" marL="0" marR="0" rtl="0" algn="ctr">
+              <a:lnSpc>
+                <a:spcPct val="100000"/>
+              </a:lnSpc>
+              <a:spcBef>
+                <a:spcPts val="0"/>
+              </a:spcBef>
+              <a:spcAft>
+                <a:spcPts val="0"/>
+              </a:spcAft>
+              <a:buNone/>
+            </a:pPr>
+            <a:r>
+              <a:t/>
+            </a:r>
+            <a:endParaRPr b="0" i="0" sz="1800" u="none" cap="none" strike="noStrike">
+              <a:solidFill>
+                <a:schemeClr val="lt1"/>
+              </a:solidFill>
+              <a:latin typeface="Avenir"/>
+              <a:ea typeface="Avenir"/>
+              <a:cs typeface="Avenir"/>
+              <a:sym typeface="Avenir"/>
+            </a:endParaRPr>
+          </a:p>
+        </p:txBody>
+      </p:sp>
+      <p:sp>
+        <p:nvSpPr>
+          <p:cNvPr id="152" name="Google Shape;152;g210e0aba0ba_2_1"/>
+          <p:cNvSpPr txBox="1"/>
+          <p:nvPr>
+            <p:ph idx="1" type="body"/>
+          </p:nvPr>
+        </p:nvSpPr>
+        <p:spPr>
+          <a:xfrm>
+            <a:off x="609755" y="1439695"/>
+            <a:ext cx="10972500" cy="3977400"/>
+          </a:xfrm>
+          <a:prstGeom prst="rect">
+            <a:avLst/>
+          </a:prstGeom>
+        </p:spPr>
+        <p:txBody>
+          <a:bodyPr anchorCtr="0" anchor="t" bIns="0" lIns="0" spcFirstLastPara="1" rIns="0" wrap="square" tIns="0">
+            <a:normAutofit/>
+          </a:bodyPr>
+          <a:lstStyle/>
+          <a:p>
+            <a:pPr indent="0" lvl="0" marL="0" rtl="0" algn="l">
+              <a:spcBef>
+                <a:spcPts val="0"/>
+              </a:spcBef>
+              <a:spcAft>
+                <a:spcPts val="0"/>
+              </a:spcAft>
+              <a:buClr>
+                <a:schemeClr val="dk1"/>
+              </a:buClr>
+              <a:buSzPts val="1100"/>
+              <a:buFont typeface="Arial"/>
+              <a:buNone/>
+            </a:pPr>
+            <a:r>
+              <a:rPr lang="en-US">
+                <a:solidFill>
+                  <a:schemeClr val="dk1"/>
+                </a:solidFill>
+              </a:rPr>
+              <a:t>A registered user visits the site and clicks on the Login link on the homepage. They are taken to the Login page where they enter their email and password. After successful login, the user is taken to the homepage where they can access the other features of the application. To logout, the user clicks on the Logout link in the navigation bar and is redirected to the homepage.</a:t>
+            </a:r>
+            <a:endParaRPr>
+              <a:solidFill>
+                <a:schemeClr val="dk1"/>
+              </a:solidFill>
+            </a:endParaRPr>
+          </a:p>
+          <a:p>
+            <a:pPr indent="0" lvl="0" marL="0" rtl="0" algn="l">
+              <a:spcBef>
+                <a:spcPts val="0"/>
+              </a:spcBef>
+              <a:spcAft>
+                <a:spcPts val="0"/>
+              </a:spcAft>
+              <a:buNone/>
+            </a:pPr>
+            <a:r>
+              <a:t/>
+            </a:r>
+            <a:endParaRPr/>
+          </a:p>
+        </p:txBody>
+      </p:sp>
+      <p:pic>
+        <p:nvPicPr>
+          <p:cNvPr id="153" name="Google Shape;153;g210e0aba0ba_2_1"/>
+          <p:cNvPicPr preferRelativeResize="0"/>
+          <p:nvPr/>
+        </p:nvPicPr>
+        <p:blipFill>
+          <a:blip r:embed="rId5">
+            <a:alphaModFix/>
+          </a:blip>
+          <a:stretch>
+            <a:fillRect/>
+          </a:stretch>
+        </p:blipFill>
+        <p:spPr>
+          <a:xfrm>
+            <a:off x="2768488" y="2866328"/>
+            <a:ext cx="6650824" cy="3835283"/>
           </a:xfrm>
           <a:prstGeom prst="rect">
             <a:avLst/>
@@ -17529,511 +17423,7 @@
       </p:grpSpPr>
       <p:sp>
         <p:nvSpPr>
-          <p:cNvPr id="158" name="Google Shape;158;g210e0aba0ba_2_1"/>
-          <p:cNvSpPr/>
-          <p:nvPr/>
-        </p:nvSpPr>
-        <p:spPr>
-          <a:xfrm>
-            <a:off x="0" y="0"/>
-            <a:ext cx="12191100" cy="6856800"/>
-          </a:xfrm>
-          <a:prstGeom prst="rect">
-            <a:avLst/>
-          </a:prstGeom>
-          <a:solidFill>
-            <a:srgbClr val="2E524D"/>
-          </a:solidFill>
-          <a:ln>
-            <a:noFill/>
-          </a:ln>
-        </p:spPr>
-        <p:txBody>
-          <a:bodyPr anchorCtr="0" anchor="ctr" bIns="45000" lIns="90000" spcFirstLastPara="1" rIns="90000" wrap="square" tIns="45000">
-            <a:noAutofit/>
-          </a:bodyPr>
-          <a:lstStyle/>
-          <a:p>
-            <a:pPr indent="0" lvl="0" marL="0" marR="0" rtl="0" algn="ctr">
-              <a:lnSpc>
-                <a:spcPct val="100000"/>
-              </a:lnSpc>
-              <a:spcBef>
-                <a:spcPts val="0"/>
-              </a:spcBef>
-              <a:spcAft>
-                <a:spcPts val="0"/>
-              </a:spcAft>
-              <a:buNone/>
-            </a:pPr>
-            <a:r>
-              <a:t/>
-            </a:r>
-            <a:endParaRPr b="0" i="0" sz="1800" u="none" cap="none" strike="noStrike">
-              <a:solidFill>
-                <a:srgbClr val="595959"/>
-              </a:solidFill>
-              <a:latin typeface="Avenir"/>
-              <a:ea typeface="Avenir"/>
-              <a:cs typeface="Avenir"/>
-              <a:sym typeface="Avenir"/>
-            </a:endParaRPr>
-          </a:p>
-        </p:txBody>
-      </p:sp>
-      <p:pic>
-        <p:nvPicPr>
-          <p:cNvPr id="159" name="Google Shape;159;g210e0aba0ba_2_1"/>
-          <p:cNvPicPr preferRelativeResize="0"/>
-          <p:nvPr/>
-        </p:nvPicPr>
-        <p:blipFill rotWithShape="1">
-          <a:blip r:embed="rId3">
-            <a:alphaModFix amt="35000"/>
-          </a:blip>
-          <a:srcRect b="0" l="0" r="0" t="0"/>
-          <a:stretch/>
-        </p:blipFill>
-        <p:spPr>
-          <a:xfrm>
-            <a:off x="0" y="0"/>
-            <a:ext cx="12191040" cy="1391400"/>
-          </a:xfrm>
-          <a:prstGeom prst="rect">
-            <a:avLst/>
-          </a:prstGeom>
-          <a:noFill/>
-          <a:ln>
-            <a:noFill/>
-          </a:ln>
-        </p:spPr>
-      </p:pic>
-      <p:sp>
-        <p:nvSpPr>
-          <p:cNvPr id="160" name="Google Shape;160;g210e0aba0ba_2_1"/>
-          <p:cNvSpPr/>
-          <p:nvPr/>
-        </p:nvSpPr>
-        <p:spPr>
-          <a:xfrm>
-            <a:off x="0" y="0"/>
-            <a:ext cx="12187800" cy="6856800"/>
-          </a:xfrm>
-          <a:prstGeom prst="rect">
-            <a:avLst/>
-          </a:prstGeom>
-          <a:solidFill>
-            <a:srgbClr val="FFFFFF"/>
-          </a:solidFill>
-          <a:ln>
-            <a:noFill/>
-          </a:ln>
-        </p:spPr>
-        <p:txBody>
-          <a:bodyPr anchorCtr="0" anchor="ctr" bIns="45000" lIns="90000" spcFirstLastPara="1" rIns="90000" wrap="square" tIns="45000">
-            <a:noAutofit/>
-          </a:bodyPr>
-          <a:lstStyle/>
-          <a:p>
-            <a:pPr indent="0" lvl="0" marL="0" marR="0" rtl="0" algn="ctr">
-              <a:lnSpc>
-                <a:spcPct val="100000"/>
-              </a:lnSpc>
-              <a:spcBef>
-                <a:spcPts val="0"/>
-              </a:spcBef>
-              <a:spcAft>
-                <a:spcPts val="0"/>
-              </a:spcAft>
-              <a:buNone/>
-            </a:pPr>
-            <a:r>
-              <a:t/>
-            </a:r>
-            <a:endParaRPr b="0" i="0" sz="1800" u="none" cap="none" strike="noStrike">
-              <a:solidFill>
-                <a:srgbClr val="595959"/>
-              </a:solidFill>
-              <a:latin typeface="Avenir"/>
-              <a:ea typeface="Avenir"/>
-              <a:cs typeface="Avenir"/>
-              <a:sym typeface="Avenir"/>
-            </a:endParaRPr>
-          </a:p>
-        </p:txBody>
-      </p:sp>
-      <p:sp>
-        <p:nvSpPr>
-          <p:cNvPr id="161" name="Google Shape;161;g210e0aba0ba_2_1"/>
-          <p:cNvSpPr/>
-          <p:nvPr/>
-        </p:nvSpPr>
-        <p:spPr>
-          <a:xfrm>
-            <a:off x="0" y="0"/>
-            <a:ext cx="12187800" cy="6856800"/>
-          </a:xfrm>
-          <a:prstGeom prst="rect">
-            <a:avLst/>
-          </a:prstGeom>
-          <a:solidFill>
-            <a:schemeClr val="lt2">
-              <a:alpha val="60780"/>
-            </a:schemeClr>
-          </a:solidFill>
-          <a:ln cap="flat" cmpd="sng" w="12700">
-            <a:solidFill>
-              <a:srgbClr val="F2F2F2"/>
-            </a:solidFill>
-            <a:prstDash val="solid"/>
-            <a:miter lim="8000"/>
-            <a:headEnd len="sm" w="sm" type="none"/>
-            <a:tailEnd len="sm" w="sm" type="none"/>
-          </a:ln>
-        </p:spPr>
-        <p:txBody>
-          <a:bodyPr anchorCtr="0" anchor="ctr" bIns="45000" lIns="90000" spcFirstLastPara="1" rIns="90000" wrap="square" tIns="45000">
-            <a:noAutofit/>
-          </a:bodyPr>
-          <a:lstStyle/>
-          <a:p>
-            <a:pPr indent="0" lvl="0" marL="0" marR="0" rtl="0" algn="ctr">
-              <a:lnSpc>
-                <a:spcPct val="100000"/>
-              </a:lnSpc>
-              <a:spcBef>
-                <a:spcPts val="0"/>
-              </a:spcBef>
-              <a:spcAft>
-                <a:spcPts val="0"/>
-              </a:spcAft>
-              <a:buNone/>
-            </a:pPr>
-            <a:r>
-              <a:t/>
-            </a:r>
-            <a:endParaRPr b="0" i="0" sz="1800" u="none" cap="none" strike="noStrike">
-              <a:solidFill>
-                <a:srgbClr val="595959"/>
-              </a:solidFill>
-              <a:latin typeface="Avenir"/>
-              <a:ea typeface="Avenir"/>
-              <a:cs typeface="Avenir"/>
-              <a:sym typeface="Avenir"/>
-            </a:endParaRPr>
-          </a:p>
-        </p:txBody>
-      </p:sp>
-      <p:sp>
-        <p:nvSpPr>
-          <p:cNvPr id="162" name="Google Shape;162;g210e0aba0ba_2_1"/>
-          <p:cNvSpPr txBox="1"/>
-          <p:nvPr>
-            <p:ph type="title"/>
-          </p:nvPr>
-        </p:nvSpPr>
-        <p:spPr>
-          <a:xfrm>
-            <a:off x="609480" y="273600"/>
-            <a:ext cx="10972500" cy="1144800"/>
-          </a:xfrm>
-          <a:prstGeom prst="rect">
-            <a:avLst/>
-          </a:prstGeom>
-          <a:noFill/>
-          <a:ln>
-            <a:noFill/>
-          </a:ln>
-        </p:spPr>
-        <p:txBody>
-          <a:bodyPr anchorCtr="0" anchor="ctr" bIns="45000" lIns="90000" spcFirstLastPara="1" rIns="90000" wrap="square" tIns="45000">
-            <a:normAutofit/>
-          </a:bodyPr>
-          <a:lstStyle/>
-          <a:p>
-            <a:pPr indent="0" lvl="0" marL="0" marR="0" rtl="0" algn="ctr">
-              <a:lnSpc>
-                <a:spcPct val="100000"/>
-              </a:lnSpc>
-              <a:spcBef>
-                <a:spcPts val="0"/>
-              </a:spcBef>
-              <a:spcAft>
-                <a:spcPts val="0"/>
-              </a:spcAft>
-              <a:buClr>
-                <a:srgbClr val="203835"/>
-              </a:buClr>
-              <a:buSzPts val="4400"/>
-              <a:buFont typeface="Avenir"/>
-              <a:buNone/>
-            </a:pPr>
-            <a:r>
-              <a:rPr b="1" i="0" lang="en-US" sz="4400" u="none" cap="none" strike="noStrike">
-                <a:solidFill>
-                  <a:srgbClr val="203835"/>
-                </a:solidFill>
-                <a:latin typeface="Avenir"/>
-                <a:ea typeface="Avenir"/>
-                <a:cs typeface="Avenir"/>
-                <a:sym typeface="Avenir"/>
-              </a:rPr>
-              <a:t>Use Case: Login</a:t>
-            </a:r>
-            <a:endParaRPr b="0" i="0" sz="4400" u="none" cap="none" strike="noStrike">
-              <a:solidFill>
-                <a:srgbClr val="000000"/>
-              </a:solidFill>
-              <a:latin typeface="Arial"/>
-              <a:ea typeface="Arial"/>
-              <a:cs typeface="Arial"/>
-              <a:sym typeface="Arial"/>
-            </a:endParaRPr>
-          </a:p>
-        </p:txBody>
-      </p:sp>
-      <p:sp>
-        <p:nvSpPr>
-          <p:cNvPr id="163" name="Google Shape;163;g210e0aba0ba_2_1"/>
-          <p:cNvSpPr/>
-          <p:nvPr/>
-        </p:nvSpPr>
-        <p:spPr>
-          <a:xfrm>
-            <a:off x="0" y="2689664"/>
-            <a:ext cx="12191100" cy="4167300"/>
-          </a:xfrm>
-          <a:prstGeom prst="rect">
-            <a:avLst/>
-          </a:prstGeom>
-          <a:solidFill>
-            <a:srgbClr val="2E524D"/>
-          </a:solidFill>
-          <a:ln>
-            <a:noFill/>
-          </a:ln>
-        </p:spPr>
-        <p:txBody>
-          <a:bodyPr anchorCtr="0" anchor="ctr" bIns="45000" lIns="90000" spcFirstLastPara="1" rIns="90000" wrap="square" tIns="45000">
-            <a:noAutofit/>
-          </a:bodyPr>
-          <a:lstStyle/>
-          <a:p>
-            <a:pPr indent="0" lvl="0" marL="0" marR="0" rtl="0" algn="ctr">
-              <a:lnSpc>
-                <a:spcPct val="100000"/>
-              </a:lnSpc>
-              <a:spcBef>
-                <a:spcPts val="0"/>
-              </a:spcBef>
-              <a:spcAft>
-                <a:spcPts val="0"/>
-              </a:spcAft>
-              <a:buNone/>
-            </a:pPr>
-            <a:r>
-              <a:t/>
-            </a:r>
-            <a:endParaRPr b="0" i="0" sz="1800" u="none" cap="none" strike="noStrike">
-              <a:solidFill>
-                <a:srgbClr val="595959"/>
-              </a:solidFill>
-              <a:latin typeface="Avenir"/>
-              <a:ea typeface="Avenir"/>
-              <a:cs typeface="Avenir"/>
-              <a:sym typeface="Avenir"/>
-            </a:endParaRPr>
-          </a:p>
-        </p:txBody>
-      </p:sp>
-      <p:sp>
-        <p:nvSpPr>
-          <p:cNvPr id="164" name="Google Shape;164;g210e0aba0ba_2_1"/>
-          <p:cNvSpPr/>
-          <p:nvPr/>
-        </p:nvSpPr>
-        <p:spPr>
-          <a:xfrm rot="10800000">
-            <a:off x="-1650" y="2677525"/>
-            <a:ext cx="12191100" cy="4212900"/>
-          </a:xfrm>
-          <a:prstGeom prst="rect">
-            <a:avLst/>
-          </a:prstGeom>
-          <a:blipFill rotWithShape="0">
-            <a:blip r:embed="rId4">
-              <a:alphaModFix amt="20000"/>
-            </a:blip>
-            <a:tile algn="tl" flip="none" tx="893250" sx="100006" ty="3086825" sy="100006"/>
-          </a:blipFill>
-          <a:ln>
-            <a:noFill/>
-          </a:ln>
-        </p:spPr>
-        <p:txBody>
-          <a:bodyPr anchorCtr="0" anchor="ctr" bIns="45000" lIns="90000" spcFirstLastPara="1" rIns="90000" wrap="square" tIns="45000">
-            <a:noAutofit/>
-          </a:bodyPr>
-          <a:lstStyle/>
-          <a:p>
-            <a:pPr indent="0" lvl="0" marL="0" marR="0" rtl="0" algn="ctr">
-              <a:lnSpc>
-                <a:spcPct val="100000"/>
-              </a:lnSpc>
-              <a:spcBef>
-                <a:spcPts val="0"/>
-              </a:spcBef>
-              <a:spcAft>
-                <a:spcPts val="0"/>
-              </a:spcAft>
-              <a:buNone/>
-            </a:pPr>
-            <a:r>
-              <a:t/>
-            </a:r>
-            <a:endParaRPr b="0" i="0" sz="1800" u="none" cap="none" strike="noStrike">
-              <a:solidFill>
-                <a:schemeClr val="lt1"/>
-              </a:solidFill>
-              <a:latin typeface="Avenir"/>
-              <a:ea typeface="Avenir"/>
-              <a:cs typeface="Avenir"/>
-              <a:sym typeface="Avenir"/>
-            </a:endParaRPr>
-          </a:p>
-        </p:txBody>
-      </p:sp>
-      <p:sp>
-        <p:nvSpPr>
-          <p:cNvPr id="165" name="Google Shape;165;g210e0aba0ba_2_1"/>
-          <p:cNvSpPr txBox="1"/>
-          <p:nvPr>
-            <p:ph idx="1" type="body"/>
-          </p:nvPr>
-        </p:nvSpPr>
-        <p:spPr>
-          <a:xfrm>
-            <a:off x="609755" y="1439695"/>
-            <a:ext cx="10972500" cy="3977400"/>
-          </a:xfrm>
-          <a:prstGeom prst="rect">
-            <a:avLst/>
-          </a:prstGeom>
-        </p:spPr>
-        <p:txBody>
-          <a:bodyPr anchorCtr="0" anchor="t" bIns="0" lIns="0" spcFirstLastPara="1" rIns="0" wrap="square" tIns="0">
-            <a:normAutofit/>
-          </a:bodyPr>
-          <a:lstStyle/>
-          <a:p>
-            <a:pPr indent="0" lvl="0" marL="0" rtl="0" algn="l">
-              <a:spcBef>
-                <a:spcPts val="0"/>
-              </a:spcBef>
-              <a:spcAft>
-                <a:spcPts val="0"/>
-              </a:spcAft>
-              <a:buClr>
-                <a:schemeClr val="dk1"/>
-              </a:buClr>
-              <a:buSzPts val="1100"/>
-              <a:buFont typeface="Arial"/>
-              <a:buNone/>
-            </a:pPr>
-            <a:r>
-              <a:rPr lang="en-US">
-                <a:solidFill>
-                  <a:schemeClr val="dk1"/>
-                </a:solidFill>
-              </a:rPr>
-              <a:t>A registered user visits the site and clicks on the Login link on the homepage. They are taken to the Login page where they enter their email and password. After successful login, the user is taken to the homepage where they can access the other features of the application. To logout, the user clicks on the Logout link in the navigation bar and is redirected to the homepage.</a:t>
-            </a:r>
-            <a:endParaRPr>
-              <a:solidFill>
-                <a:schemeClr val="dk1"/>
-              </a:solidFill>
-            </a:endParaRPr>
-          </a:p>
-          <a:p>
-            <a:pPr indent="0" lvl="0" marL="0" rtl="0" algn="l">
-              <a:spcBef>
-                <a:spcPts val="0"/>
-              </a:spcBef>
-              <a:spcAft>
-                <a:spcPts val="0"/>
-              </a:spcAft>
-              <a:buNone/>
-            </a:pPr>
-            <a:r>
-              <a:t/>
-            </a:r>
-            <a:endParaRPr/>
-          </a:p>
-        </p:txBody>
-      </p:sp>
-      <p:pic>
-        <p:nvPicPr>
-          <p:cNvPr id="166" name="Google Shape;166;g210e0aba0ba_2_1"/>
-          <p:cNvPicPr preferRelativeResize="0"/>
-          <p:nvPr/>
-        </p:nvPicPr>
-        <p:blipFill>
-          <a:blip r:embed="rId5">
-            <a:alphaModFix/>
-          </a:blip>
-          <a:stretch>
-            <a:fillRect/>
-          </a:stretch>
-        </p:blipFill>
-        <p:spPr>
-          <a:xfrm>
-            <a:off x="2768488" y="2866328"/>
-            <a:ext cx="6650824" cy="3835283"/>
-          </a:xfrm>
-          <a:prstGeom prst="rect">
-            <a:avLst/>
-          </a:prstGeom>
-          <a:noFill/>
-          <a:ln>
-            <a:noFill/>
-          </a:ln>
-        </p:spPr>
-      </p:pic>
-    </p:spTree>
-  </p:cSld>
-  <p:clrMapOvr>
-    <a:masterClrMapping/>
-  </p:clrMapOvr>
-</p:sld>
-</file>
-
-<file path=ppt/slides/slide7.xml><?xml version="1.0" encoding="utf-8"?>
-<p:sld xmlns:a="http://schemas.openxmlformats.org/drawingml/2006/main" xmlns:r="http://schemas.openxmlformats.org/officeDocument/2006/relationships" xmlns:mc="http://schemas.openxmlformats.org/markup-compatibility/2006" xmlns:mv="urn:schemas-microsoft-com:mac:vml" xmlns:p="http://schemas.openxmlformats.org/presentationml/2006/main" xmlns:c="http://schemas.openxmlformats.org/drawingml/2006/chart" xmlns:dgm="http://schemas.openxmlformats.org/drawingml/2006/diagram" xmlns:o="urn:schemas-microsoft-com:office:office" xmlns:v="urn:schemas-microsoft-com:vml" xmlns:pvml="urn:schemas-microsoft-com:office:powerpoint" xmlns:com="http://schemas.openxmlformats.org/drawingml/2006/compatibility" xmlns:p14="http://schemas.microsoft.com/office/powerpoint/2010/main" xmlns:p15="http://schemas.microsoft.com/office/powerpoint/2012/main" xmlns:ahyp="http://schemas.microsoft.com/office/drawing/2018/hyperlinkcolor">
-  <p:cSld>
-    <p:bg>
-      <p:bgPr>
-        <a:solidFill>
-          <a:srgbClr val="FFFFFF"/>
-        </a:solidFill>
-      </p:bgPr>
-    </p:bg>
-    <p:spTree>
-      <p:nvGrpSpPr>
-        <p:cNvPr id="170" name="Shape 170"/>
-        <p:cNvGrpSpPr/>
-        <p:nvPr/>
-      </p:nvGrpSpPr>
-      <p:grpSpPr>
-        <a:xfrm>
-          <a:off x="0" y="0"/>
-          <a:ext cx="0" cy="0"/>
-          <a:chOff x="0" y="0"/>
-          <a:chExt cx="0" cy="0"/>
-        </a:xfrm>
-      </p:grpSpPr>
-      <p:sp>
-        <p:nvSpPr>
-          <p:cNvPr id="171" name="Google Shape;171;p5"/>
+          <p:cNvPr id="158" name="Google Shape;158;p5"/>
           <p:cNvSpPr/>
           <p:nvPr/>
         </p:nvSpPr>
@@ -18087,7 +17477,7 @@
       </p:sp>
       <p:pic>
         <p:nvPicPr>
-          <p:cNvPr id="172" name="Google Shape;172;p5"/>
+          <p:cNvPr id="159" name="Google Shape;159;p5"/>
           <p:cNvPicPr preferRelativeResize="0"/>
           <p:nvPr/>
         </p:nvPicPr>
@@ -18114,7 +17504,7 @@
       </p:pic>
       <p:sp>
         <p:nvSpPr>
-          <p:cNvPr id="173" name="Google Shape;173;p5"/>
+          <p:cNvPr id="160" name="Google Shape;160;p5"/>
           <p:cNvSpPr/>
           <p:nvPr/>
         </p:nvSpPr>
@@ -18168,7 +17558,7 @@
       </p:sp>
       <p:sp>
         <p:nvSpPr>
-          <p:cNvPr id="174" name="Google Shape;174;p5"/>
+          <p:cNvPr id="161" name="Google Shape;161;p5"/>
           <p:cNvSpPr/>
           <p:nvPr/>
         </p:nvSpPr>
@@ -18224,7 +17614,7 @@
       </p:sp>
       <p:sp>
         <p:nvSpPr>
-          <p:cNvPr id="175" name="Google Shape;175;p5"/>
+          <p:cNvPr id="162" name="Google Shape;162;p5"/>
           <p:cNvSpPr/>
           <p:nvPr/>
         </p:nvSpPr>
@@ -18278,7 +17668,7 @@
       </p:sp>
       <p:sp>
         <p:nvSpPr>
-          <p:cNvPr id="176" name="Google Shape;176;p5"/>
+          <p:cNvPr id="163" name="Google Shape;163;p5"/>
           <p:cNvSpPr/>
           <p:nvPr/>
         </p:nvSpPr>
@@ -18335,7 +17725,7 @@
       </p:sp>
       <p:sp>
         <p:nvSpPr>
-          <p:cNvPr id="177" name="Google Shape;177;p5"/>
+          <p:cNvPr id="164" name="Google Shape;164;p5"/>
           <p:cNvSpPr/>
           <p:nvPr/>
         </p:nvSpPr>
@@ -18389,7 +17779,7 @@
       </p:sp>
       <p:sp>
         <p:nvSpPr>
-          <p:cNvPr id="178" name="Google Shape;178;p5"/>
+          <p:cNvPr id="165" name="Google Shape;165;p5"/>
           <p:cNvSpPr txBox="1"/>
           <p:nvPr/>
         </p:nvSpPr>
@@ -18722,7 +18112,7 @@
 </p:sld>
 </file>
 
-<file path=ppt/slides/slide8.xml><?xml version="1.0" encoding="utf-8"?>
+<file path=ppt/slides/slide7.xml><?xml version="1.0" encoding="utf-8"?>
 <p:sld xmlns:a="http://schemas.openxmlformats.org/drawingml/2006/main" xmlns:r="http://schemas.openxmlformats.org/officeDocument/2006/relationships" xmlns:mc="http://schemas.openxmlformats.org/markup-compatibility/2006" xmlns:mv="urn:schemas-microsoft-com:mac:vml" xmlns:p="http://schemas.openxmlformats.org/presentationml/2006/main" xmlns:c="http://schemas.openxmlformats.org/drawingml/2006/chart" xmlns:dgm="http://schemas.openxmlformats.org/drawingml/2006/diagram" xmlns:o="urn:schemas-microsoft-com:office:office" xmlns:v="urn:schemas-microsoft-com:vml" xmlns:pvml="urn:schemas-microsoft-com:office:powerpoint" xmlns:com="http://schemas.openxmlformats.org/drawingml/2006/compatibility" xmlns:p14="http://schemas.microsoft.com/office/powerpoint/2010/main" xmlns:p15="http://schemas.microsoft.com/office/powerpoint/2012/main" xmlns:ahyp="http://schemas.microsoft.com/office/drawing/2018/hyperlinkcolor">
   <p:cSld>
     <p:bg>
@@ -18734,7 +18124,7 @@
     </p:bg>
     <p:spTree>
       <p:nvGrpSpPr>
-        <p:cNvPr id="182" name="Shape 182"/>
+        <p:cNvPr id="169" name="Shape 169"/>
         <p:cNvGrpSpPr/>
         <p:nvPr/>
       </p:nvGrpSpPr>
@@ -18748,7 +18138,7 @@
       </p:grpSpPr>
       <p:sp>
         <p:nvSpPr>
-          <p:cNvPr id="183" name="Google Shape;183;p6"/>
+          <p:cNvPr id="170" name="Google Shape;170;p6"/>
           <p:cNvSpPr/>
           <p:nvPr/>
         </p:nvSpPr>
@@ -18802,14 +18192,14 @@
       </p:sp>
       <p:sp>
         <p:nvSpPr>
-          <p:cNvPr id="184" name="Google Shape;184;p6"/>
+          <p:cNvPr id="171" name="Google Shape;171;p6"/>
           <p:cNvSpPr/>
           <p:nvPr/>
         </p:nvSpPr>
         <p:spPr>
           <a:xfrm>
-            <a:off x="0" y="0"/>
-            <a:ext cx="12187800" cy="6856920"/>
+            <a:off x="2100" y="538"/>
+            <a:ext cx="12187800" cy="6856800"/>
           </a:xfrm>
           <a:prstGeom prst="rect">
             <a:avLst/>
@@ -18829,7 +18219,7 @@
           </a:bodyPr>
           <a:lstStyle/>
           <a:p>
-            <a:pPr indent="0" lvl="0" marL="0" marR="0" rtl="0" algn="ctr">
+            <a:pPr indent="0" lvl="0" marL="457200" marR="0" rtl="0" algn="r">
               <a:lnSpc>
                 <a:spcPct val="100000"/>
               </a:lnSpc>
@@ -18858,7 +18248,7 @@
       </p:sp>
       <p:sp>
         <p:nvSpPr>
-          <p:cNvPr id="185" name="Google Shape;185;p6"/>
+          <p:cNvPr id="172" name="Google Shape;172;p6"/>
           <p:cNvSpPr/>
           <p:nvPr/>
         </p:nvSpPr>
@@ -18912,7 +18302,7 @@
       </p:sp>
       <p:sp>
         <p:nvSpPr>
-          <p:cNvPr id="186" name="Google Shape;186;p6"/>
+          <p:cNvPr id="173" name="Google Shape;173;p6"/>
           <p:cNvSpPr/>
           <p:nvPr/>
         </p:nvSpPr>
@@ -18969,7 +18359,7 @@
       </p:sp>
       <p:sp>
         <p:nvSpPr>
-          <p:cNvPr id="187" name="Google Shape;187;p6"/>
+          <p:cNvPr id="174" name="Google Shape;174;p6"/>
           <p:cNvSpPr txBox="1"/>
           <p:nvPr>
             <p:ph idx="4294967295" type="title"/>
@@ -18977,8 +18367,8 @@
         </p:nvSpPr>
         <p:spPr>
           <a:xfrm>
-            <a:off x="838080" y="559800"/>
-            <a:ext cx="2818440" cy="5576760"/>
+            <a:off x="313850" y="640650"/>
+            <a:ext cx="3943200" cy="5576700"/>
           </a:xfrm>
           <a:prstGeom prst="rect">
             <a:avLst/>
@@ -18994,7 +18384,7 @@
           </a:bodyPr>
           <a:lstStyle/>
           <a:p>
-            <a:pPr indent="0" lvl="0" marL="0" marR="0" rtl="0" algn="l">
+            <a:pPr indent="0" lvl="0" marL="0" marR="0" rtl="0" algn="ctr">
               <a:lnSpc>
                 <a:spcPct val="100000"/>
               </a:lnSpc>
@@ -19012,7 +18402,7 @@
               <a:buNone/>
             </a:pPr>
             <a:r>
-              <a:rPr b="1" i="0" lang="en-US" sz="4400" u="none" cap="none" strike="noStrike">
+              <a:rPr b="1" lang="en-US" sz="4400">
                 <a:solidFill>
                   <a:srgbClr val="FFFFFF"/>
                 </a:solidFill>
@@ -19021,7 +18411,7 @@
                 <a:cs typeface="Avenir"/>
                 <a:sym typeface="Avenir"/>
               </a:rPr>
-              <a:t>Feedback</a:t>
+              <a:t>ThriveTodays’ Feedback</a:t>
             </a:r>
             <a:endParaRPr b="0" i="0" sz="4400" u="none" cap="none" strike="noStrike">
               <a:solidFill>
@@ -19035,6 +18425,360 @@
           </a:p>
         </p:txBody>
       </p:sp>
+      <p:sp>
+        <p:nvSpPr>
+          <p:cNvPr id="175" name="Google Shape;175;p6"/>
+          <p:cNvSpPr txBox="1"/>
+          <p:nvPr/>
+        </p:nvSpPr>
+        <p:spPr>
+          <a:xfrm>
+            <a:off x="5123800" y="354725"/>
+            <a:ext cx="6700500" cy="1508400"/>
+          </a:xfrm>
+          <a:prstGeom prst="rect">
+            <a:avLst/>
+          </a:prstGeom>
+          <a:noFill/>
+          <a:ln>
+            <a:noFill/>
+          </a:ln>
+        </p:spPr>
+        <p:txBody>
+          <a:bodyPr anchorCtr="0" anchor="t" bIns="91425" lIns="91425" spcFirstLastPara="1" rIns="91425" wrap="square" tIns="91425">
+            <a:spAutoFit/>
+          </a:bodyPr>
+          <a:lstStyle/>
+          <a:p>
+            <a:pPr indent="-342900" lvl="0" marL="457200" rtl="0" algn="l">
+              <a:spcBef>
+                <a:spcPts val="0"/>
+              </a:spcBef>
+              <a:spcAft>
+                <a:spcPts val="0"/>
+              </a:spcAft>
+              <a:buClr>
+                <a:srgbClr val="595959"/>
+              </a:buClr>
+              <a:buSzPts val="1800"/>
+              <a:buFont typeface="Avenir"/>
+              <a:buChar char="●"/>
+            </a:pPr>
+            <a:r>
+              <a:rPr lang="en-US" sz="1800">
+                <a:solidFill>
+                  <a:srgbClr val="595959"/>
+                </a:solidFill>
+                <a:latin typeface="Avenir"/>
+                <a:ea typeface="Avenir"/>
+                <a:cs typeface="Avenir"/>
+                <a:sym typeface="Avenir"/>
+              </a:rPr>
+              <a:t>Henry </a:t>
+            </a:r>
+            <a:endParaRPr sz="1800">
+              <a:solidFill>
+                <a:srgbClr val="595959"/>
+              </a:solidFill>
+              <a:latin typeface="Avenir"/>
+              <a:ea typeface="Avenir"/>
+              <a:cs typeface="Avenir"/>
+              <a:sym typeface="Avenir"/>
+            </a:endParaRPr>
+          </a:p>
+          <a:p>
+            <a:pPr indent="-342900" lvl="1" marL="914400" rtl="0" algn="l">
+              <a:spcBef>
+                <a:spcPts val="0"/>
+              </a:spcBef>
+              <a:spcAft>
+                <a:spcPts val="0"/>
+              </a:spcAft>
+              <a:buClr>
+                <a:srgbClr val="595959"/>
+              </a:buClr>
+              <a:buSzPts val="1800"/>
+              <a:buFont typeface="Avenir"/>
+              <a:buChar char="○"/>
+            </a:pPr>
+            <a:r>
+              <a:rPr lang="en-US" sz="1800">
+                <a:solidFill>
+                  <a:srgbClr val="595959"/>
+                </a:solidFill>
+                <a:latin typeface="Avenir"/>
+                <a:ea typeface="Avenir"/>
+                <a:cs typeface="Avenir"/>
+                <a:sym typeface="Avenir"/>
+              </a:rPr>
+              <a:t>loves the clear documentation, project vision, progress </a:t>
+            </a:r>
+            <a:endParaRPr sz="1800">
+              <a:solidFill>
+                <a:srgbClr val="595959"/>
+              </a:solidFill>
+              <a:latin typeface="Avenir"/>
+              <a:ea typeface="Avenir"/>
+              <a:cs typeface="Avenir"/>
+              <a:sym typeface="Avenir"/>
+            </a:endParaRPr>
+          </a:p>
+          <a:p>
+            <a:pPr indent="-342900" lvl="1" marL="914400" rtl="0" algn="l">
+              <a:spcBef>
+                <a:spcPts val="0"/>
+              </a:spcBef>
+              <a:spcAft>
+                <a:spcPts val="0"/>
+              </a:spcAft>
+              <a:buClr>
+                <a:srgbClr val="595959"/>
+              </a:buClr>
+              <a:buSzPts val="1800"/>
+              <a:buFont typeface="Avenir"/>
+              <a:buChar char="○"/>
+            </a:pPr>
+            <a:r>
+              <a:rPr lang="en-US" sz="1800">
+                <a:solidFill>
+                  <a:srgbClr val="595959"/>
+                </a:solidFill>
+                <a:latin typeface="Avenir"/>
+                <a:ea typeface="Avenir"/>
+                <a:cs typeface="Avenir"/>
+                <a:sym typeface="Avenir"/>
+              </a:rPr>
+              <a:t>interested in hearing more about how you plan to program the Book Generation feature</a:t>
+            </a:r>
+            <a:endParaRPr sz="1800">
+              <a:solidFill>
+                <a:srgbClr val="595959"/>
+              </a:solidFill>
+              <a:latin typeface="Avenir"/>
+              <a:ea typeface="Avenir"/>
+              <a:cs typeface="Avenir"/>
+              <a:sym typeface="Avenir"/>
+            </a:endParaRPr>
+          </a:p>
+          <a:p>
+            <a:pPr indent="0" lvl="0" marL="0" rtl="0" algn="l">
+              <a:spcBef>
+                <a:spcPts val="0"/>
+              </a:spcBef>
+              <a:spcAft>
+                <a:spcPts val="0"/>
+              </a:spcAft>
+              <a:buNone/>
+            </a:pPr>
+            <a:r>
+              <a:t/>
+            </a:r>
+            <a:endParaRPr/>
+          </a:p>
+        </p:txBody>
+      </p:sp>
+      <p:sp>
+        <p:nvSpPr>
+          <p:cNvPr id="176" name="Google Shape;176;p6"/>
+          <p:cNvSpPr txBox="1"/>
+          <p:nvPr/>
+        </p:nvSpPr>
+        <p:spPr>
+          <a:xfrm>
+            <a:off x="5123800" y="1739525"/>
+            <a:ext cx="6700500" cy="1847100"/>
+          </a:xfrm>
+          <a:prstGeom prst="rect">
+            <a:avLst/>
+          </a:prstGeom>
+          <a:noFill/>
+          <a:ln>
+            <a:noFill/>
+          </a:ln>
+        </p:spPr>
+        <p:txBody>
+          <a:bodyPr anchorCtr="0" anchor="t" bIns="91425" lIns="91425" spcFirstLastPara="1" rIns="91425" wrap="square" tIns="91425">
+            <a:spAutoFit/>
+          </a:bodyPr>
+          <a:lstStyle/>
+          <a:p>
+            <a:pPr indent="-342900" lvl="0" marL="457200" rtl="0" algn="l">
+              <a:spcBef>
+                <a:spcPts val="0"/>
+              </a:spcBef>
+              <a:spcAft>
+                <a:spcPts val="0"/>
+              </a:spcAft>
+              <a:buClr>
+                <a:srgbClr val="595959"/>
+              </a:buClr>
+              <a:buSzPts val="1800"/>
+              <a:buFont typeface="Avenir"/>
+              <a:buChar char="●"/>
+            </a:pPr>
+            <a:r>
+              <a:rPr lang="en-US" sz="1800">
+                <a:solidFill>
+                  <a:srgbClr val="595959"/>
+                </a:solidFill>
+                <a:latin typeface="Avenir"/>
+                <a:ea typeface="Avenir"/>
+                <a:cs typeface="Avenir"/>
+                <a:sym typeface="Avenir"/>
+              </a:rPr>
+              <a:t>Very thorough readme and use cases</a:t>
+            </a:r>
+            <a:endParaRPr sz="1800">
+              <a:solidFill>
+                <a:srgbClr val="595959"/>
+              </a:solidFill>
+              <a:latin typeface="Avenir"/>
+              <a:ea typeface="Avenir"/>
+              <a:cs typeface="Avenir"/>
+              <a:sym typeface="Avenir"/>
+            </a:endParaRPr>
+          </a:p>
+          <a:p>
+            <a:pPr indent="-342900" lvl="1" marL="914400" rtl="0" algn="l">
+              <a:spcBef>
+                <a:spcPts val="0"/>
+              </a:spcBef>
+              <a:spcAft>
+                <a:spcPts val="0"/>
+              </a:spcAft>
+              <a:buClr>
+                <a:srgbClr val="595959"/>
+              </a:buClr>
+              <a:buSzPts val="1800"/>
+              <a:buFont typeface="Avenir"/>
+              <a:buChar char="○"/>
+            </a:pPr>
+            <a:r>
+              <a:rPr lang="en-US" sz="1800">
+                <a:solidFill>
+                  <a:srgbClr val="595959"/>
+                </a:solidFill>
+                <a:latin typeface="Avenir"/>
+                <a:ea typeface="Avenir"/>
+                <a:cs typeface="Avenir"/>
+                <a:sym typeface="Avenir"/>
+              </a:rPr>
+              <a:t>Can see the flow of the book generation process very clearly</a:t>
+            </a:r>
+            <a:endParaRPr sz="1800">
+              <a:solidFill>
+                <a:srgbClr val="595959"/>
+              </a:solidFill>
+              <a:latin typeface="Avenir"/>
+              <a:ea typeface="Avenir"/>
+              <a:cs typeface="Avenir"/>
+              <a:sym typeface="Avenir"/>
+            </a:endParaRPr>
+          </a:p>
+          <a:p>
+            <a:pPr indent="-342900" lvl="0" marL="457200" rtl="0" algn="l">
+              <a:spcBef>
+                <a:spcPts val="0"/>
+              </a:spcBef>
+              <a:spcAft>
+                <a:spcPts val="0"/>
+              </a:spcAft>
+              <a:buClr>
+                <a:srgbClr val="595959"/>
+              </a:buClr>
+              <a:buSzPts val="1800"/>
+              <a:buFont typeface="Avenir"/>
+              <a:buChar char="●"/>
+            </a:pPr>
+            <a:r>
+              <a:rPr lang="en-US" sz="1800">
+                <a:solidFill>
+                  <a:srgbClr val="595959"/>
+                </a:solidFill>
+                <a:latin typeface="Avenir"/>
+                <a:ea typeface="Avenir"/>
+                <a:cs typeface="Avenir"/>
+                <a:sym typeface="Avenir"/>
+              </a:rPr>
+              <a:t>expert_users setup was well written and easy to follow but:</a:t>
+            </a:r>
+            <a:endParaRPr sz="1800">
+              <a:solidFill>
+                <a:srgbClr val="595959"/>
+              </a:solidFill>
+              <a:latin typeface="Avenir"/>
+              <a:ea typeface="Avenir"/>
+              <a:cs typeface="Avenir"/>
+              <a:sym typeface="Avenir"/>
+            </a:endParaRPr>
+          </a:p>
+          <a:p>
+            <a:pPr indent="-342900" lvl="1" marL="914400" rtl="0" algn="l">
+              <a:spcBef>
+                <a:spcPts val="0"/>
+              </a:spcBef>
+              <a:spcAft>
+                <a:spcPts val="0"/>
+              </a:spcAft>
+              <a:buClr>
+                <a:srgbClr val="595959"/>
+              </a:buClr>
+              <a:buSzPts val="1800"/>
+              <a:buFont typeface="Avenir"/>
+              <a:buChar char="○"/>
+            </a:pPr>
+            <a:r>
+              <a:rPr lang="en-US" sz="1800">
+                <a:solidFill>
+                  <a:srgbClr val="595959"/>
+                </a:solidFill>
+                <a:latin typeface="Avenir"/>
+                <a:ea typeface="Avenir"/>
+                <a:cs typeface="Avenir"/>
+                <a:sym typeface="Avenir"/>
+              </a:rPr>
+              <a:t>HTTP ERROR 403 on step 5: navigating to localhost:5000/initdb</a:t>
+            </a:r>
+            <a:endParaRPr sz="1800">
+              <a:solidFill>
+                <a:srgbClr val="595959"/>
+              </a:solidFill>
+              <a:latin typeface="Avenir"/>
+              <a:ea typeface="Avenir"/>
+              <a:cs typeface="Avenir"/>
+              <a:sym typeface="Avenir"/>
+            </a:endParaRPr>
+          </a:p>
+        </p:txBody>
+      </p:sp>
+      <p:pic>
+        <p:nvPicPr>
+          <p:cNvPr id="177" name="Google Shape;177;p6"/>
+          <p:cNvPicPr preferRelativeResize="0"/>
+          <p:nvPr/>
+        </p:nvPicPr>
+        <p:blipFill>
+          <a:blip r:embed="rId4">
+            <a:alphaModFix/>
+          </a:blip>
+          <a:stretch>
+            <a:fillRect/>
+          </a:stretch>
+        </p:blipFill>
+        <p:spPr>
+          <a:xfrm>
+            <a:off x="6460897" y="3586625"/>
+            <a:ext cx="5479398" cy="3036675"/>
+          </a:xfrm>
+          <a:prstGeom prst="rect">
+            <a:avLst/>
+          </a:prstGeom>
+          <a:noFill/>
+          <a:ln>
+            <a:noFill/>
+          </a:ln>
+        </p:spPr>
+      </p:pic>
     </p:spTree>
   </p:cSld>
   <p:clrMapOvr>

--- a/weekly_team_presentation/week5.pptx
+++ b/weekly_team_presentation/week5.pptx
@@ -15,6 +15,7 @@
     <p:sldId id="260" r:id="rId10"/>
     <p:sldId id="261" r:id="rId11"/>
     <p:sldId id="262" r:id="rId12"/>
+    <p:sldId id="263" r:id="rId13"/>
   </p:sldIdLst>
   <p:sldSz cy="6858000" cx="12192000"/>
   <p:notesSz cx="7772400" cy="10058400"/>
@@ -249,7 +250,7 @@
   </p:defaultTextStyle>
   <p:extLst>
     <p:ext uri="http://customooxmlschemas.google.com/">
-      <go:slidesCustomData xmlns:go="http://customooxmlschemas.google.com/" r:id="rId13" roundtripDataSignature="AMtx7mj4twgZi73x8gST6NOERt/V7E9bKg=="/>
+      <go:slidesCustomData xmlns:go="http://customooxmlschemas.google.com/" r:id="rId14" roundtripDataSignature="AMtx7mheNLU54+zRJy9FMm29HvIPSxomXg=="/>
     </p:ext>
   </p:extLst>
 </p:presentation>
@@ -1343,6 +1344,105 @@
           <a:xfrm>
             <a:off x="1295650" y="754375"/>
             <a:ext cx="5181850" cy="3771900"/>
+          </a:xfrm>
+          <a:custGeom>
+            <a:rect b="b" l="l" r="r" t="t"/>
+            <a:pathLst>
+              <a:path extrusionOk="0" h="120000" w="120000">
+                <a:moveTo>
+                  <a:pt x="0" y="0"/>
+                </a:moveTo>
+                <a:lnTo>
+                  <a:pt x="120000" y="0"/>
+                </a:lnTo>
+                <a:lnTo>
+                  <a:pt x="120000" y="120000"/>
+                </a:lnTo>
+                <a:lnTo>
+                  <a:pt x="0" y="120000"/>
+                </a:lnTo>
+                <a:close/>
+              </a:path>
+            </a:pathLst>
+          </a:custGeom>
+        </p:spPr>
+      </p:sp>
+    </p:spTree>
+  </p:cSld>
+  <p:clrMapOvr>
+    <a:masterClrMapping/>
+  </p:clrMapOvr>
+</p:notes>
+</file>
+
+<file path=ppt/notesSlides/notesSlide8.xml><?xml version="1.0" encoding="utf-8"?>
+<p:notes xmlns:a="http://schemas.openxmlformats.org/drawingml/2006/main" xmlns:r="http://schemas.openxmlformats.org/officeDocument/2006/relationships" xmlns:mc="http://schemas.openxmlformats.org/markup-compatibility/2006" xmlns:mv="urn:schemas-microsoft-com:mac:vml" xmlns:p="http://schemas.openxmlformats.org/presentationml/2006/main" xmlns:c="http://schemas.openxmlformats.org/drawingml/2006/chart" xmlns:dgm="http://schemas.openxmlformats.org/drawingml/2006/diagram" xmlns:o="urn:schemas-microsoft-com:office:office" xmlns:v="urn:schemas-microsoft-com:vml" xmlns:pvml="urn:schemas-microsoft-com:office:powerpoint" xmlns:com="http://schemas.openxmlformats.org/drawingml/2006/compatibility" xmlns:p14="http://schemas.microsoft.com/office/powerpoint/2010/main" xmlns:p15="http://schemas.microsoft.com/office/powerpoint/2012/main" xmlns:ahyp="http://schemas.microsoft.com/office/drawing/2018/hyperlinkcolor" showMasterPhAnim="0" showMasterSp="0">
+  <p:cSld>
+    <p:spTree>
+      <p:nvGrpSpPr>
+        <p:cNvPr id="178" name="Shape 178"/>
+        <p:cNvGrpSpPr/>
+        <p:nvPr/>
+      </p:nvGrpSpPr>
+      <p:grpSpPr>
+        <a:xfrm>
+          <a:off x="0" y="0"/>
+          <a:ext cx="0" cy="0"/>
+          <a:chOff x="0" y="0"/>
+          <a:chExt cx="0" cy="0"/>
+        </a:xfrm>
+      </p:grpSpPr>
+      <p:sp>
+        <p:nvSpPr>
+          <p:cNvPr id="179" name="Google Shape;179;g2113c79f6b7_0_0:notes"/>
+          <p:cNvSpPr txBox="1"/>
+          <p:nvPr>
+            <p:ph idx="1" type="body"/>
+          </p:nvPr>
+        </p:nvSpPr>
+        <p:spPr>
+          <a:xfrm>
+            <a:off x="777225" y="4777725"/>
+            <a:ext cx="6217800" cy="4526400"/>
+          </a:xfrm>
+          <a:prstGeom prst="rect">
+            <a:avLst/>
+          </a:prstGeom>
+        </p:spPr>
+        <p:txBody>
+          <a:bodyPr anchorCtr="0" anchor="t" bIns="91425" lIns="91425" spcFirstLastPara="1" rIns="91425" wrap="square" tIns="91425">
+            <a:noAutofit/>
+          </a:bodyPr>
+          <a:lstStyle/>
+          <a:p>
+            <a:pPr indent="0" lvl="0" marL="0" rtl="0" algn="l">
+              <a:spcBef>
+                <a:spcPts val="0"/>
+              </a:spcBef>
+              <a:spcAft>
+                <a:spcPts val="0"/>
+              </a:spcAft>
+              <a:buNone/>
+            </a:pPr>
+            <a:r>
+              <a:t/>
+            </a:r>
+            <a:endParaRPr/>
+          </a:p>
+        </p:txBody>
+      </p:sp>
+      <p:sp>
+        <p:nvSpPr>
+          <p:cNvPr id="180" name="Google Shape;180;g2113c79f6b7_0_0:notes"/>
+          <p:cNvSpPr/>
+          <p:nvPr>
+            <p:ph idx="2" type="sldImg"/>
+          </p:nvPr>
+        </p:nvSpPr>
+        <p:spPr>
+          <a:xfrm>
+            <a:off x="1295650" y="754375"/>
+            <a:ext cx="5181900" cy="3771900"/>
           </a:xfrm>
           <a:custGeom>
             <a:rect b="b" l="l" r="r" t="t"/>
@@ -14915,7 +15015,7 @@
             <a:tbl>
               <a:tblPr>
                 <a:noFill/>
-                <a:tableStyleId>{E79AEFBA-B33D-4976-A39D-751E358DCCDE}</a:tableStyleId>
+                <a:tableStyleId>{11BDA13C-4DF1-4E2F-BFAE-9984EAC6E16F}</a:tableStyleId>
               </a:tblPr>
               <a:tblGrid>
                 <a:gridCol w="2412000"/>
@@ -18787,7 +18887,796 @@
 </p:sld>
 </file>
 
+<file path=ppt/slides/slide8.xml><?xml version="1.0" encoding="utf-8"?>
+<p:sld xmlns:a="http://schemas.openxmlformats.org/drawingml/2006/main" xmlns:r="http://schemas.openxmlformats.org/officeDocument/2006/relationships" xmlns:mc="http://schemas.openxmlformats.org/markup-compatibility/2006" xmlns:mv="urn:schemas-microsoft-com:mac:vml" xmlns:p="http://schemas.openxmlformats.org/presentationml/2006/main" xmlns:c="http://schemas.openxmlformats.org/drawingml/2006/chart" xmlns:dgm="http://schemas.openxmlformats.org/drawingml/2006/diagram" xmlns:o="urn:schemas-microsoft-com:office:office" xmlns:v="urn:schemas-microsoft-com:vml" xmlns:pvml="urn:schemas-microsoft-com:office:powerpoint" xmlns:com="http://schemas.openxmlformats.org/drawingml/2006/compatibility" xmlns:p14="http://schemas.microsoft.com/office/powerpoint/2010/main" xmlns:p15="http://schemas.microsoft.com/office/powerpoint/2012/main" xmlns:ahyp="http://schemas.microsoft.com/office/drawing/2018/hyperlinkcolor">
+  <p:cSld>
+    <p:bg>
+      <p:bgPr>
+        <a:solidFill>
+          <a:srgbClr val="FFFFFF"/>
+        </a:solidFill>
+      </p:bgPr>
+    </p:bg>
+    <p:spTree>
+      <p:nvGrpSpPr>
+        <p:cNvPr id="181" name="Shape 181"/>
+        <p:cNvGrpSpPr/>
+        <p:nvPr/>
+      </p:nvGrpSpPr>
+      <p:grpSpPr>
+        <a:xfrm>
+          <a:off x="0" y="0"/>
+          <a:ext cx="0" cy="0"/>
+          <a:chOff x="0" y="0"/>
+          <a:chExt cx="0" cy="0"/>
+        </a:xfrm>
+      </p:grpSpPr>
+      <p:sp>
+        <p:nvSpPr>
+          <p:cNvPr id="182" name="Google Shape;182;g2113c79f6b7_0_0"/>
+          <p:cNvSpPr/>
+          <p:nvPr/>
+        </p:nvSpPr>
+        <p:spPr>
+          <a:xfrm>
+            <a:off x="0" y="0"/>
+            <a:ext cx="12187800" cy="6856800"/>
+          </a:xfrm>
+          <a:prstGeom prst="rect">
+            <a:avLst/>
+          </a:prstGeom>
+          <a:solidFill>
+            <a:srgbClr val="FFFFFF"/>
+          </a:solidFill>
+          <a:ln>
+            <a:noFill/>
+          </a:ln>
+        </p:spPr>
+        <p:txBody>
+          <a:bodyPr anchorCtr="0" anchor="ctr" bIns="45000" lIns="90000" spcFirstLastPara="1" rIns="90000" wrap="square" tIns="45000">
+            <a:noAutofit/>
+          </a:bodyPr>
+          <a:lstStyle/>
+          <a:p>
+            <a:pPr indent="0" lvl="0" marL="0" marR="0" rtl="0" algn="ctr">
+              <a:lnSpc>
+                <a:spcPct val="100000"/>
+              </a:lnSpc>
+              <a:spcBef>
+                <a:spcPts val="0"/>
+              </a:spcBef>
+              <a:spcAft>
+                <a:spcPts val="0"/>
+              </a:spcAft>
+              <a:buNone/>
+            </a:pPr>
+            <a:r>
+              <a:t/>
+            </a:r>
+            <a:endParaRPr b="0" i="0" sz="1800" u="none" cap="none" strike="noStrike">
+              <a:solidFill>
+                <a:srgbClr val="595959"/>
+              </a:solidFill>
+              <a:latin typeface="Avenir"/>
+              <a:ea typeface="Avenir"/>
+              <a:cs typeface="Avenir"/>
+              <a:sym typeface="Avenir"/>
+            </a:endParaRPr>
+          </a:p>
+        </p:txBody>
+      </p:sp>
+      <p:sp>
+        <p:nvSpPr>
+          <p:cNvPr id="183" name="Google Shape;183;g2113c79f6b7_0_0"/>
+          <p:cNvSpPr/>
+          <p:nvPr/>
+        </p:nvSpPr>
+        <p:spPr>
+          <a:xfrm>
+            <a:off x="2100" y="538"/>
+            <a:ext cx="12187800" cy="6856800"/>
+          </a:xfrm>
+          <a:prstGeom prst="rect">
+            <a:avLst/>
+          </a:prstGeom>
+          <a:solidFill>
+            <a:schemeClr val="lt2">
+              <a:alpha val="69800"/>
+            </a:schemeClr>
+          </a:solidFill>
+          <a:ln>
+            <a:noFill/>
+          </a:ln>
+        </p:spPr>
+        <p:txBody>
+          <a:bodyPr anchorCtr="0" anchor="ctr" bIns="45000" lIns="90000" spcFirstLastPara="1" rIns="90000" wrap="square" tIns="45000">
+            <a:noAutofit/>
+          </a:bodyPr>
+          <a:lstStyle/>
+          <a:p>
+            <a:pPr indent="0" lvl="0" marL="457200" marR="0" rtl="0" algn="r">
+              <a:lnSpc>
+                <a:spcPct val="100000"/>
+              </a:lnSpc>
+              <a:spcBef>
+                <a:spcPts val="0"/>
+              </a:spcBef>
+              <a:spcAft>
+                <a:spcPts val="0"/>
+              </a:spcAft>
+              <a:buNone/>
+            </a:pPr>
+            <a:r>
+              <a:t/>
+            </a:r>
+            <a:endParaRPr b="0" i="0" sz="1800" u="none" cap="none" strike="noStrike">
+              <a:solidFill>
+                <a:srgbClr val="595959"/>
+              </a:solidFill>
+              <a:latin typeface="Avenir"/>
+              <a:ea typeface="Avenir"/>
+              <a:cs typeface="Avenir"/>
+              <a:sym typeface="Avenir"/>
+            </a:endParaRPr>
+          </a:p>
+        </p:txBody>
+      </p:sp>
+      <p:sp>
+        <p:nvSpPr>
+          <p:cNvPr id="184" name="Google Shape;184;g2113c79f6b7_0_0"/>
+          <p:cNvSpPr/>
+          <p:nvPr/>
+        </p:nvSpPr>
+        <p:spPr>
+          <a:xfrm>
+            <a:off x="0" y="0"/>
+            <a:ext cx="4570800" cy="6856800"/>
+          </a:xfrm>
+          <a:prstGeom prst="rect">
+            <a:avLst/>
+          </a:prstGeom>
+          <a:solidFill>
+            <a:srgbClr val="2E524D"/>
+          </a:solidFill>
+          <a:ln>
+            <a:noFill/>
+          </a:ln>
+        </p:spPr>
+        <p:txBody>
+          <a:bodyPr anchorCtr="0" anchor="ctr" bIns="45000" lIns="90000" spcFirstLastPara="1" rIns="90000" wrap="square" tIns="45000">
+            <a:noAutofit/>
+          </a:bodyPr>
+          <a:lstStyle/>
+          <a:p>
+            <a:pPr indent="0" lvl="0" marL="0" marR="0" rtl="0" algn="ctr">
+              <a:lnSpc>
+                <a:spcPct val="100000"/>
+              </a:lnSpc>
+              <a:spcBef>
+                <a:spcPts val="0"/>
+              </a:spcBef>
+              <a:spcAft>
+                <a:spcPts val="0"/>
+              </a:spcAft>
+              <a:buNone/>
+            </a:pPr>
+            <a:r>
+              <a:t/>
+            </a:r>
+            <a:endParaRPr b="0" i="0" sz="1800" u="none" cap="none" strike="noStrike">
+              <a:solidFill>
+                <a:schemeClr val="lt1"/>
+              </a:solidFill>
+              <a:latin typeface="Avenir"/>
+              <a:ea typeface="Avenir"/>
+              <a:cs typeface="Avenir"/>
+              <a:sym typeface="Avenir"/>
+            </a:endParaRPr>
+          </a:p>
+        </p:txBody>
+      </p:sp>
+      <p:sp>
+        <p:nvSpPr>
+          <p:cNvPr id="185" name="Google Shape;185;g2113c79f6b7_0_0"/>
+          <p:cNvSpPr/>
+          <p:nvPr/>
+        </p:nvSpPr>
+        <p:spPr>
+          <a:xfrm>
+            <a:off x="0" y="0"/>
+            <a:ext cx="4570800" cy="6856800"/>
+          </a:xfrm>
+          <a:prstGeom prst="rect">
+            <a:avLst/>
+          </a:prstGeom>
+          <a:blipFill rotWithShape="1">
+            <a:blip r:embed="rId3">
+              <a:alphaModFix amt="20000"/>
+            </a:blip>
+            <a:tile algn="tl" flip="none" tx="893175" sx="100006" ty="0" sy="100006"/>
+          </a:blipFill>
+          <a:ln>
+            <a:noFill/>
+          </a:ln>
+        </p:spPr>
+        <p:txBody>
+          <a:bodyPr anchorCtr="0" anchor="ctr" bIns="45000" lIns="90000" spcFirstLastPara="1" rIns="90000" wrap="square" tIns="45000">
+            <a:noAutofit/>
+          </a:bodyPr>
+          <a:lstStyle/>
+          <a:p>
+            <a:pPr indent="0" lvl="0" marL="0" marR="0" rtl="0" algn="ctr">
+              <a:lnSpc>
+                <a:spcPct val="100000"/>
+              </a:lnSpc>
+              <a:spcBef>
+                <a:spcPts val="0"/>
+              </a:spcBef>
+              <a:spcAft>
+                <a:spcPts val="0"/>
+              </a:spcAft>
+              <a:buNone/>
+            </a:pPr>
+            <a:r>
+              <a:t/>
+            </a:r>
+            <a:endParaRPr b="0" i="0" sz="1800" u="none" cap="none" strike="noStrike">
+              <a:solidFill>
+                <a:schemeClr val="lt1"/>
+              </a:solidFill>
+              <a:latin typeface="Avenir"/>
+              <a:ea typeface="Avenir"/>
+              <a:cs typeface="Avenir"/>
+              <a:sym typeface="Avenir"/>
+            </a:endParaRPr>
+          </a:p>
+        </p:txBody>
+      </p:sp>
+      <p:sp>
+        <p:nvSpPr>
+          <p:cNvPr id="186" name="Google Shape;186;g2113c79f6b7_0_0"/>
+          <p:cNvSpPr txBox="1"/>
+          <p:nvPr>
+            <p:ph idx="4294967295" type="title"/>
+          </p:nvPr>
+        </p:nvSpPr>
+        <p:spPr>
+          <a:xfrm>
+            <a:off x="313850" y="640650"/>
+            <a:ext cx="3943200" cy="5576700"/>
+          </a:xfrm>
+          <a:prstGeom prst="rect">
+            <a:avLst/>
+          </a:prstGeom>
+          <a:noFill/>
+          <a:ln>
+            <a:noFill/>
+          </a:ln>
+        </p:spPr>
+        <p:txBody>
+          <a:bodyPr anchorCtr="0" anchor="ctr" bIns="45000" lIns="90000" spcFirstLastPara="1" rIns="90000" wrap="square" tIns="45000">
+            <a:normAutofit/>
+          </a:bodyPr>
+          <a:lstStyle/>
+          <a:p>
+            <a:pPr indent="0" lvl="0" marL="0" marR="0" rtl="0" algn="ctr">
+              <a:lnSpc>
+                <a:spcPct val="100000"/>
+              </a:lnSpc>
+              <a:spcBef>
+                <a:spcPts val="0"/>
+              </a:spcBef>
+              <a:spcAft>
+                <a:spcPts val="0"/>
+              </a:spcAft>
+              <a:buClr>
+                <a:srgbClr val="FFFFFF"/>
+              </a:buClr>
+              <a:buSzPts val="4400"/>
+              <a:buFont typeface="Avenir"/>
+              <a:buNone/>
+            </a:pPr>
+            <a:r>
+              <a:rPr b="1" lang="en-US" sz="4400">
+                <a:solidFill>
+                  <a:srgbClr val="FFFFFF"/>
+                </a:solidFill>
+                <a:latin typeface="Avenir"/>
+                <a:ea typeface="Avenir"/>
+                <a:cs typeface="Avenir"/>
+                <a:sym typeface="Avenir"/>
+              </a:rPr>
+              <a:t>Response to Feedback</a:t>
+            </a:r>
+            <a:endParaRPr b="0" i="0" sz="4400" u="none" cap="none" strike="noStrike">
+              <a:solidFill>
+                <a:srgbClr val="000000"/>
+              </a:solidFill>
+              <a:latin typeface="Arial"/>
+              <a:ea typeface="Arial"/>
+              <a:cs typeface="Arial"/>
+              <a:sym typeface="Arial"/>
+            </a:endParaRPr>
+          </a:p>
+        </p:txBody>
+      </p:sp>
+      <p:sp>
+        <p:nvSpPr>
+          <p:cNvPr id="187" name="Google Shape;187;g2113c79f6b7_0_0"/>
+          <p:cNvSpPr txBox="1"/>
+          <p:nvPr/>
+        </p:nvSpPr>
+        <p:spPr>
+          <a:xfrm>
+            <a:off x="5123800" y="2259150"/>
+            <a:ext cx="6700500" cy="2339700"/>
+          </a:xfrm>
+          <a:prstGeom prst="rect">
+            <a:avLst/>
+          </a:prstGeom>
+          <a:noFill/>
+          <a:ln>
+            <a:noFill/>
+          </a:ln>
+        </p:spPr>
+        <p:txBody>
+          <a:bodyPr anchorCtr="0" anchor="t" bIns="91425" lIns="91425" spcFirstLastPara="1" rIns="91425" wrap="square" tIns="91425">
+            <a:spAutoFit/>
+          </a:bodyPr>
+          <a:lstStyle/>
+          <a:p>
+            <a:pPr indent="-342900" lvl="0" marL="457200" rtl="0" algn="l">
+              <a:spcBef>
+                <a:spcPts val="0"/>
+              </a:spcBef>
+              <a:spcAft>
+                <a:spcPts val="0"/>
+              </a:spcAft>
+              <a:buClr>
+                <a:srgbClr val="595959"/>
+              </a:buClr>
+              <a:buSzPts val="1800"/>
+              <a:buFont typeface="Avenir"/>
+              <a:buChar char="●"/>
+            </a:pPr>
+            <a:r>
+              <a:rPr lang="en-US" sz="1800">
+                <a:solidFill>
+                  <a:srgbClr val="595959"/>
+                </a:solidFill>
+                <a:latin typeface="Avenir"/>
+                <a:ea typeface="Avenir"/>
+                <a:cs typeface="Avenir"/>
+                <a:sym typeface="Avenir"/>
+              </a:rPr>
+              <a:t>We have identified several spots in our instructions we need to fix</a:t>
+            </a:r>
+            <a:endParaRPr sz="1800">
+              <a:solidFill>
+                <a:srgbClr val="595959"/>
+              </a:solidFill>
+              <a:latin typeface="Avenir"/>
+              <a:ea typeface="Avenir"/>
+              <a:cs typeface="Avenir"/>
+              <a:sym typeface="Avenir"/>
+            </a:endParaRPr>
+          </a:p>
+          <a:p>
+            <a:pPr indent="-342900" lvl="1" marL="914400" rtl="0" algn="l">
+              <a:spcBef>
+                <a:spcPts val="0"/>
+              </a:spcBef>
+              <a:spcAft>
+                <a:spcPts val="0"/>
+              </a:spcAft>
+              <a:buClr>
+                <a:srgbClr val="595959"/>
+              </a:buClr>
+              <a:buSzPts val="1800"/>
+              <a:buFont typeface="Avenir"/>
+              <a:buChar char="○"/>
+            </a:pPr>
+            <a:r>
+              <a:rPr lang="en-US" sz="1800">
+                <a:solidFill>
+                  <a:srgbClr val="595959"/>
+                </a:solidFill>
+                <a:latin typeface="Avenir"/>
+                <a:ea typeface="Avenir"/>
+                <a:cs typeface="Avenir"/>
+                <a:sym typeface="Avenir"/>
+              </a:rPr>
+              <a:t>Separate step 2 and clarify changing directory to "dev" directory</a:t>
+            </a:r>
+            <a:endParaRPr sz="1800">
+              <a:solidFill>
+                <a:srgbClr val="595959"/>
+              </a:solidFill>
+              <a:latin typeface="Avenir"/>
+              <a:ea typeface="Avenir"/>
+              <a:cs typeface="Avenir"/>
+              <a:sym typeface="Avenir"/>
+            </a:endParaRPr>
+          </a:p>
+          <a:p>
+            <a:pPr indent="-342900" lvl="1" marL="914400" rtl="0" algn="l">
+              <a:spcBef>
+                <a:spcPts val="0"/>
+              </a:spcBef>
+              <a:spcAft>
+                <a:spcPts val="0"/>
+              </a:spcAft>
+              <a:buClr>
+                <a:srgbClr val="595959"/>
+              </a:buClr>
+              <a:buSzPts val="1800"/>
+              <a:buFont typeface="Avenir"/>
+              <a:buChar char="○"/>
+            </a:pPr>
+            <a:r>
+              <a:rPr lang="en-US" sz="1800">
+                <a:solidFill>
+                  <a:srgbClr val="595959"/>
+                </a:solidFill>
+                <a:latin typeface="Avenir"/>
+                <a:ea typeface="Avenir"/>
+                <a:cs typeface="Avenir"/>
+                <a:sym typeface="Avenir"/>
+              </a:rPr>
+              <a:t>Step 4 needs to be done in the "docs" directory</a:t>
+            </a:r>
+            <a:endParaRPr sz="1800">
+              <a:solidFill>
+                <a:srgbClr val="595959"/>
+              </a:solidFill>
+              <a:latin typeface="Avenir"/>
+              <a:ea typeface="Avenir"/>
+              <a:cs typeface="Avenir"/>
+              <a:sym typeface="Avenir"/>
+            </a:endParaRPr>
+          </a:p>
+          <a:p>
+            <a:pPr indent="-342900" lvl="1" marL="914400" rtl="0" algn="l">
+              <a:spcBef>
+                <a:spcPts val="0"/>
+              </a:spcBef>
+              <a:spcAft>
+                <a:spcPts val="0"/>
+              </a:spcAft>
+              <a:buClr>
+                <a:srgbClr val="595959"/>
+              </a:buClr>
+              <a:buSzPts val="1800"/>
+              <a:buFont typeface="Avenir"/>
+              <a:buChar char="○"/>
+            </a:pPr>
+            <a:r>
+              <a:rPr lang="en-US" sz="1800">
+                <a:solidFill>
+                  <a:srgbClr val="595959"/>
+                </a:solidFill>
+                <a:latin typeface="Avenir"/>
+                <a:ea typeface="Avenir"/>
+                <a:cs typeface="Avenir"/>
+                <a:sym typeface="Avenir"/>
+              </a:rPr>
+              <a:t>Before step 5, need to run "flask run" in the "dev" directory before accessing localhost</a:t>
+            </a:r>
+            <a:endParaRPr sz="1800">
+              <a:solidFill>
+                <a:srgbClr val="595959"/>
+              </a:solidFill>
+              <a:latin typeface="Avenir"/>
+              <a:ea typeface="Avenir"/>
+              <a:cs typeface="Avenir"/>
+              <a:sym typeface="Avenir"/>
+            </a:endParaRPr>
+          </a:p>
+          <a:p>
+            <a:pPr indent="0" lvl="0" marL="0" rtl="0" algn="l">
+              <a:spcBef>
+                <a:spcPts val="0"/>
+              </a:spcBef>
+              <a:spcAft>
+                <a:spcPts val="0"/>
+              </a:spcAft>
+              <a:buNone/>
+            </a:pPr>
+            <a:r>
+              <a:t/>
+            </a:r>
+            <a:endParaRPr/>
+          </a:p>
+        </p:txBody>
+      </p:sp>
+    </p:spTree>
+  </p:cSld>
+  <p:clrMapOvr>
+    <a:masterClrMapping/>
+  </p:clrMapOvr>
+</p:sld>
+</file>
+
 <file path=ppt/theme/theme1.xml><?xml version="1.0" encoding="utf-8"?>
+<a:theme xmlns:a="http://schemas.openxmlformats.org/drawingml/2006/main" xmlns:r="http://schemas.openxmlformats.org/officeDocument/2006/relationships">
+  <a:themeElements>
+    <a:clrScheme name="Default">
+      <a:dk1>
+        <a:srgbClr val="000000"/>
+      </a:dk1>
+      <a:lt1>
+        <a:srgbClr val="FFFFFF"/>
+      </a:lt1>
+      <a:dk2>
+        <a:srgbClr val="158158"/>
+      </a:dk2>
+      <a:lt2>
+        <a:srgbClr val="F3F3F3"/>
+      </a:lt2>
+      <a:accent1>
+        <a:srgbClr val="058DC7"/>
+      </a:accent1>
+      <a:accent2>
+        <a:srgbClr val="50B432"/>
+      </a:accent2>
+      <a:accent3>
+        <a:srgbClr val="ED561B"/>
+      </a:accent3>
+      <a:accent4>
+        <a:srgbClr val="EDEF00"/>
+      </a:accent4>
+      <a:accent5>
+        <a:srgbClr val="24CBE5"/>
+      </a:accent5>
+      <a:accent6>
+        <a:srgbClr val="64E572"/>
+      </a:accent6>
+      <a:hlink>
+        <a:srgbClr val="2200CC"/>
+      </a:hlink>
+      <a:folHlink>
+        <a:srgbClr val="551A8B"/>
+      </a:folHlink>
+    </a:clrScheme>
+    <a:fontScheme name="Office">
+      <a:majorFont>
+        <a:latin typeface="Arial"/>
+        <a:ea typeface=""/>
+        <a:cs typeface=""/>
+        <a:font script="Jpan" typeface="ＭＳ Ｐゴシック"/>
+        <a:font script="Hang" typeface="맑은 고딕"/>
+        <a:font script="Hans" typeface="宋体"/>
+        <a:font script="Hant" typeface="新細明體"/>
+        <a:font script="Arab" typeface="Times New Roman"/>
+        <a:font script="Hebr" typeface="Times New Roman"/>
+        <a:font script="Thai" typeface="Angsana New"/>
+        <a:font script="Ethi" typeface="Nyala"/>
+        <a:font script="Beng" typeface="Vrinda"/>
+        <a:font script="Gujr" typeface="Shruti"/>
+        <a:font script="Khmr" typeface="MoolBoran"/>
+        <a:font script="Knda" typeface="Tunga"/>
+        <a:font script="Guru" typeface="Raavi"/>
+        <a:font script="Cans" typeface="Euphemia"/>
+        <a:font script="Cher" typeface="Plantagenet Cherokee"/>
+        <a:font script="Yiii" typeface="Microsoft Yi Baiti"/>
+        <a:font script="Tibt" typeface="Microsoft Himalaya"/>
+        <a:font script="Thaa" typeface="MV Boli"/>
+        <a:font script="Deva" typeface="Mangal"/>
+        <a:font script="Telu" typeface="Gautami"/>
+        <a:font script="Taml" typeface="Latha"/>
+        <a:font script="Syrc" typeface="Estrangelo Edessa"/>
+        <a:font script="Orya" typeface="Kalinga"/>
+        <a:font script="Mlym" typeface="Kartika"/>
+        <a:font script="Laoo" typeface="DokChampa"/>
+        <a:font script="Sinh" typeface="Iskoola Pota"/>
+        <a:font script="Mong" typeface="Mongolian Baiti"/>
+        <a:font script="Viet" typeface="Times New Roman"/>
+        <a:font script="Uigh" typeface="Microsoft Uighur"/>
+        <a:font script="Geor" typeface="Sylfaen"/>
+      </a:majorFont>
+      <a:minorFont>
+        <a:latin typeface="Arial"/>
+        <a:ea typeface=""/>
+        <a:cs typeface=""/>
+        <a:font script="Jpan" typeface="ＭＳ Ｐゴシック"/>
+        <a:font script="Hang" typeface="맑은 고딕"/>
+        <a:font script="Hans" typeface="宋体"/>
+        <a:font script="Hant" typeface="新細明體"/>
+        <a:font script="Arab" typeface="Arial"/>
+        <a:font script="Hebr" typeface="Arial"/>
+        <a:font script="Thai" typeface="Cordia New"/>
+        <a:font script="Ethi" typeface="Nyala"/>
+        <a:font script="Beng" typeface="Vrinda"/>
+        <a:font script="Gujr" typeface="Shruti"/>
+        <a:font script="Khmr" typeface="DaunPenh"/>
+        <a:font script="Knda" typeface="Tunga"/>
+        <a:font script="Guru" typeface="Raavi"/>
+        <a:font script="Cans" typeface="Euphemia"/>
+        <a:font script="Cher" typeface="Plantagenet Cherokee"/>
+        <a:font script="Yiii" typeface="Microsoft Yi Baiti"/>
+        <a:font script="Tibt" typeface="Microsoft Himalaya"/>
+        <a:font script="Thaa" typeface="MV Boli"/>
+        <a:font script="Deva" typeface="Mangal"/>
+        <a:font script="Telu" typeface="Gautami"/>
+        <a:font script="Taml" typeface="Latha"/>
+        <a:font script="Syrc" typeface="Estrangelo Edessa"/>
+        <a:font script="Orya" typeface="Kalinga"/>
+        <a:font script="Mlym" typeface="Kartika"/>
+        <a:font script="Laoo" typeface="DokChampa"/>
+        <a:font script="Sinh" typeface="Iskoola Pota"/>
+        <a:font script="Mong" typeface="Mongolian Baiti"/>
+        <a:font script="Viet" typeface="Arial"/>
+        <a:font script="Uigh" typeface="Microsoft Uighur"/>
+        <a:font script="Geor" typeface="Sylfaen"/>
+      </a:minorFont>
+    </a:fontScheme>
+    <a:fmtScheme name="Office">
+      <a:fillStyleLst>
+        <a:solidFill>
+          <a:schemeClr val="phClr"/>
+        </a:solidFill>
+        <a:gradFill rotWithShape="1">
+          <a:gsLst>
+            <a:gs pos="0">
+              <a:schemeClr val="phClr">
+                <a:tint val="50000"/>
+                <a:satMod val="300000"/>
+              </a:schemeClr>
+            </a:gs>
+            <a:gs pos="35000">
+              <a:schemeClr val="phClr">
+                <a:tint val="37000"/>
+                <a:satMod val="300000"/>
+              </a:schemeClr>
+            </a:gs>
+            <a:gs pos="100000">
+              <a:schemeClr val="phClr">
+                <a:tint val="15000"/>
+                <a:satMod val="350000"/>
+              </a:schemeClr>
+            </a:gs>
+          </a:gsLst>
+          <a:lin ang="16200000" scaled="1"/>
+        </a:gradFill>
+        <a:gradFill rotWithShape="1">
+          <a:gsLst>
+            <a:gs pos="0">
+              <a:schemeClr val="phClr">
+                <a:tint val="100000"/>
+                <a:shade val="100000"/>
+                <a:satMod val="130000"/>
+              </a:schemeClr>
+            </a:gs>
+            <a:gs pos="100000">
+              <a:schemeClr val="phClr">
+                <a:tint val="50000"/>
+                <a:shade val="100000"/>
+                <a:satMod val="350000"/>
+              </a:schemeClr>
+            </a:gs>
+          </a:gsLst>
+          <a:lin ang="16200000" scaled="0"/>
+        </a:gradFill>
+      </a:fillStyleLst>
+      <a:lnStyleLst>
+        <a:ln w="9525" cap="flat" cmpd="sng" algn="ctr">
+          <a:solidFill>
+            <a:schemeClr val="phClr">
+              <a:shade val="95000"/>
+              <a:satMod val="105000"/>
+            </a:schemeClr>
+          </a:solidFill>
+          <a:prstDash val="solid"/>
+        </a:ln>
+        <a:ln w="25400" cap="flat" cmpd="sng" algn="ctr">
+          <a:solidFill>
+            <a:schemeClr val="phClr"/>
+          </a:solidFill>
+          <a:prstDash val="solid"/>
+        </a:ln>
+        <a:ln w="38100" cap="flat" cmpd="sng" algn="ctr">
+          <a:solidFill>
+            <a:schemeClr val="phClr"/>
+          </a:solidFill>
+          <a:prstDash val="solid"/>
+        </a:ln>
+      </a:lnStyleLst>
+      <a:effectStyleLst>
+        <a:effectStyle>
+          <a:effectLst>
+            <a:outerShdw blurRad="40000" dist="20000" dir="5400000" rotWithShape="0">
+              <a:srgbClr val="000000">
+                <a:alpha val="38000"/>
+              </a:srgbClr>
+            </a:outerShdw>
+          </a:effectLst>
+        </a:effectStyle>
+        <a:effectStyle>
+          <a:effectLst>
+            <a:outerShdw blurRad="40000" dist="23000" dir="5400000" rotWithShape="0">
+              <a:srgbClr val="000000">
+                <a:alpha val="35000"/>
+              </a:srgbClr>
+            </a:outerShdw>
+          </a:effectLst>
+        </a:effectStyle>
+        <a:effectStyle>
+          <a:effectLst>
+            <a:outerShdw blurRad="40000" dist="23000" dir="5400000" rotWithShape="0">
+              <a:srgbClr val="000000">
+                <a:alpha val="35000"/>
+              </a:srgbClr>
+            </a:outerShdw>
+          </a:effectLst>
+          <a:scene3d>
+            <a:camera prst="orthographicFront">
+              <a:rot lat="0" lon="0" rev="0"/>
+            </a:camera>
+            <a:lightRig rig="threePt" dir="t">
+              <a:rot lat="0" lon="0" rev="1200000"/>
+            </a:lightRig>
+          </a:scene3d>
+          <a:sp3d>
+            <a:bevelT w="63500" h="25400"/>
+          </a:sp3d>
+        </a:effectStyle>
+      </a:effectStyleLst>
+      <a:bgFillStyleLst>
+        <a:solidFill>
+          <a:schemeClr val="phClr"/>
+        </a:solidFill>
+        <a:gradFill rotWithShape="1">
+          <a:gsLst>
+            <a:gs pos="0">
+              <a:schemeClr val="phClr">
+                <a:tint val="40000"/>
+                <a:satMod val="350000"/>
+              </a:schemeClr>
+            </a:gs>
+            <a:gs pos="40000">
+              <a:schemeClr val="phClr">
+                <a:tint val="45000"/>
+                <a:shade val="99000"/>
+                <a:satMod val="350000"/>
+              </a:schemeClr>
+            </a:gs>
+            <a:gs pos="100000">
+              <a:schemeClr val="phClr">
+                <a:shade val="20000"/>
+                <a:satMod val="255000"/>
+              </a:schemeClr>
+            </a:gs>
+          </a:gsLst>
+          <a:path path="circle">
+            <a:fillToRect l="50000" t="-80000" r="50000" b="180000"/>
+          </a:path>
+        </a:gradFill>
+        <a:gradFill rotWithShape="1">
+          <a:gsLst>
+            <a:gs pos="0">
+              <a:schemeClr val="phClr">
+                <a:tint val="80000"/>
+                <a:satMod val="300000"/>
+              </a:schemeClr>
+            </a:gs>
+            <a:gs pos="100000">
+              <a:schemeClr val="phClr">
+                <a:shade val="30000"/>
+                <a:satMod val="200000"/>
+              </a:schemeClr>
+            </a:gs>
+          </a:gsLst>
+          <a:path path="circle">
+            <a:fillToRect l="50000" t="50000" r="50000" b="50000"/>
+          </a:path>
+        </a:gradFill>
+      </a:bgFillStyleLst>
+    </a:fmtScheme>
+  </a:themeElements>
+</a:theme>
+</file>
+
+<file path=ppt/theme/theme2.xml><?xml version="1.0" encoding="utf-8"?>
 <a:theme xmlns:a="http://schemas.openxmlformats.org/drawingml/2006/main" xmlns:r="http://schemas.openxmlformats.org/officeDocument/2006/relationships" name="BlockprintVTI">
   <a:themeElements>
     <a:clrScheme name="AnalogousFromRegularSeedLeftStep">
@@ -19064,283 +19953,4 @@
     </a:fmtScheme>
   </a:themeElements>
 </a:theme>
-</file>
-
-<file path=ppt/theme/theme2.xml><?xml version="1.0" encoding="utf-8"?>
-<a:theme xmlns:a="http://schemas.openxmlformats.org/drawingml/2006/main" xmlns:r="http://schemas.openxmlformats.org/officeDocument/2006/relationships">
-  <a:themeElements>
-    <a:clrScheme name="Default">
-      <a:dk1>
-        <a:srgbClr val="000000"/>
-      </a:dk1>
-      <a:lt1>
-        <a:srgbClr val="FFFFFF"/>
-      </a:lt1>
-      <a:dk2>
-        <a:srgbClr val="158158"/>
-      </a:dk2>
-      <a:lt2>
-        <a:srgbClr val="F3F3F3"/>
-      </a:lt2>
-      <a:accent1>
-        <a:srgbClr val="058DC7"/>
-      </a:accent1>
-      <a:accent2>
-        <a:srgbClr val="50B432"/>
-      </a:accent2>
-      <a:accent3>
-        <a:srgbClr val="ED561B"/>
-      </a:accent3>
-      <a:accent4>
-        <a:srgbClr val="EDEF00"/>
-      </a:accent4>
-      <a:accent5>
-        <a:srgbClr val="24CBE5"/>
-      </a:accent5>
-      <a:accent6>
-        <a:srgbClr val="64E572"/>
-      </a:accent6>
-      <a:hlink>
-        <a:srgbClr val="2200CC"/>
-      </a:hlink>
-      <a:folHlink>
-        <a:srgbClr val="551A8B"/>
-      </a:folHlink>
-    </a:clrScheme>
-    <a:fontScheme name="Office">
-      <a:majorFont>
-        <a:latin typeface="Arial"/>
-        <a:ea typeface=""/>
-        <a:cs typeface=""/>
-        <a:font script="Jpan" typeface="ＭＳ Ｐゴシック"/>
-        <a:font script="Hang" typeface="맑은 고딕"/>
-        <a:font script="Hans" typeface="宋体"/>
-        <a:font script="Hant" typeface="新細明體"/>
-        <a:font script="Arab" typeface="Times New Roman"/>
-        <a:font script="Hebr" typeface="Times New Roman"/>
-        <a:font script="Thai" typeface="Angsana New"/>
-        <a:font script="Ethi" typeface="Nyala"/>
-        <a:font script="Beng" typeface="Vrinda"/>
-        <a:font script="Gujr" typeface="Shruti"/>
-        <a:font script="Khmr" typeface="MoolBoran"/>
-        <a:font script="Knda" typeface="Tunga"/>
-        <a:font script="Guru" typeface="Raavi"/>
-        <a:font script="Cans" typeface="Euphemia"/>
-        <a:font script="Cher" typeface="Plantagenet Cherokee"/>
-        <a:font script="Yiii" typeface="Microsoft Yi Baiti"/>
-        <a:font script="Tibt" typeface="Microsoft Himalaya"/>
-        <a:font script="Thaa" typeface="MV Boli"/>
-        <a:font script="Deva" typeface="Mangal"/>
-        <a:font script="Telu" typeface="Gautami"/>
-        <a:font script="Taml" typeface="Latha"/>
-        <a:font script="Syrc" typeface="Estrangelo Edessa"/>
-        <a:font script="Orya" typeface="Kalinga"/>
-        <a:font script="Mlym" typeface="Kartika"/>
-        <a:font script="Laoo" typeface="DokChampa"/>
-        <a:font script="Sinh" typeface="Iskoola Pota"/>
-        <a:font script="Mong" typeface="Mongolian Baiti"/>
-        <a:font script="Viet" typeface="Times New Roman"/>
-        <a:font script="Uigh" typeface="Microsoft Uighur"/>
-        <a:font script="Geor" typeface="Sylfaen"/>
-      </a:majorFont>
-      <a:minorFont>
-        <a:latin typeface="Arial"/>
-        <a:ea typeface=""/>
-        <a:cs typeface=""/>
-        <a:font script="Jpan" typeface="ＭＳ Ｐゴシック"/>
-        <a:font script="Hang" typeface="맑은 고딕"/>
-        <a:font script="Hans" typeface="宋体"/>
-        <a:font script="Hant" typeface="新細明體"/>
-        <a:font script="Arab" typeface="Arial"/>
-        <a:font script="Hebr" typeface="Arial"/>
-        <a:font script="Thai" typeface="Cordia New"/>
-        <a:font script="Ethi" typeface="Nyala"/>
-        <a:font script="Beng" typeface="Vrinda"/>
-        <a:font script="Gujr" typeface="Shruti"/>
-        <a:font script="Khmr" typeface="DaunPenh"/>
-        <a:font script="Knda" typeface="Tunga"/>
-        <a:font script="Guru" typeface="Raavi"/>
-        <a:font script="Cans" typeface="Euphemia"/>
-        <a:font script="Cher" typeface="Plantagenet Cherokee"/>
-        <a:font script="Yiii" typeface="Microsoft Yi Baiti"/>
-        <a:font script="Tibt" typeface="Microsoft Himalaya"/>
-        <a:font script="Thaa" typeface="MV Boli"/>
-        <a:font script="Deva" typeface="Mangal"/>
-        <a:font script="Telu" typeface="Gautami"/>
-        <a:font script="Taml" typeface="Latha"/>
-        <a:font script="Syrc" typeface="Estrangelo Edessa"/>
-        <a:font script="Orya" typeface="Kalinga"/>
-        <a:font script="Mlym" typeface="Kartika"/>
-        <a:font script="Laoo" typeface="DokChampa"/>
-        <a:font script="Sinh" typeface="Iskoola Pota"/>
-        <a:font script="Mong" typeface="Mongolian Baiti"/>
-        <a:font script="Viet" typeface="Arial"/>
-        <a:font script="Uigh" typeface="Microsoft Uighur"/>
-        <a:font script="Geor" typeface="Sylfaen"/>
-      </a:minorFont>
-    </a:fontScheme>
-    <a:fmtScheme name="Office">
-      <a:fillStyleLst>
-        <a:solidFill>
-          <a:schemeClr val="phClr"/>
-        </a:solidFill>
-        <a:gradFill rotWithShape="1">
-          <a:gsLst>
-            <a:gs pos="0">
-              <a:schemeClr val="phClr">
-                <a:tint val="50000"/>
-                <a:satMod val="300000"/>
-              </a:schemeClr>
-            </a:gs>
-            <a:gs pos="35000">
-              <a:schemeClr val="phClr">
-                <a:tint val="37000"/>
-                <a:satMod val="300000"/>
-              </a:schemeClr>
-            </a:gs>
-            <a:gs pos="100000">
-              <a:schemeClr val="phClr">
-                <a:tint val="15000"/>
-                <a:satMod val="350000"/>
-              </a:schemeClr>
-            </a:gs>
-          </a:gsLst>
-          <a:lin ang="16200000" scaled="1"/>
-        </a:gradFill>
-        <a:gradFill rotWithShape="1">
-          <a:gsLst>
-            <a:gs pos="0">
-              <a:schemeClr val="phClr">
-                <a:tint val="100000"/>
-                <a:shade val="100000"/>
-                <a:satMod val="130000"/>
-              </a:schemeClr>
-            </a:gs>
-            <a:gs pos="100000">
-              <a:schemeClr val="phClr">
-                <a:tint val="50000"/>
-                <a:shade val="100000"/>
-                <a:satMod val="350000"/>
-              </a:schemeClr>
-            </a:gs>
-          </a:gsLst>
-          <a:lin ang="16200000" scaled="0"/>
-        </a:gradFill>
-      </a:fillStyleLst>
-      <a:lnStyleLst>
-        <a:ln w="9525" cap="flat" cmpd="sng" algn="ctr">
-          <a:solidFill>
-            <a:schemeClr val="phClr">
-              <a:shade val="95000"/>
-              <a:satMod val="105000"/>
-            </a:schemeClr>
-          </a:solidFill>
-          <a:prstDash val="solid"/>
-        </a:ln>
-        <a:ln w="25400" cap="flat" cmpd="sng" algn="ctr">
-          <a:solidFill>
-            <a:schemeClr val="phClr"/>
-          </a:solidFill>
-          <a:prstDash val="solid"/>
-        </a:ln>
-        <a:ln w="38100" cap="flat" cmpd="sng" algn="ctr">
-          <a:solidFill>
-            <a:schemeClr val="phClr"/>
-          </a:solidFill>
-          <a:prstDash val="solid"/>
-        </a:ln>
-      </a:lnStyleLst>
-      <a:effectStyleLst>
-        <a:effectStyle>
-          <a:effectLst>
-            <a:outerShdw blurRad="40000" dist="20000" dir="5400000" rotWithShape="0">
-              <a:srgbClr val="000000">
-                <a:alpha val="38000"/>
-              </a:srgbClr>
-            </a:outerShdw>
-          </a:effectLst>
-        </a:effectStyle>
-        <a:effectStyle>
-          <a:effectLst>
-            <a:outerShdw blurRad="40000" dist="23000" dir="5400000" rotWithShape="0">
-              <a:srgbClr val="000000">
-                <a:alpha val="35000"/>
-              </a:srgbClr>
-            </a:outerShdw>
-          </a:effectLst>
-        </a:effectStyle>
-        <a:effectStyle>
-          <a:effectLst>
-            <a:outerShdw blurRad="40000" dist="23000" dir="5400000" rotWithShape="0">
-              <a:srgbClr val="000000">
-                <a:alpha val="35000"/>
-              </a:srgbClr>
-            </a:outerShdw>
-          </a:effectLst>
-          <a:scene3d>
-            <a:camera prst="orthographicFront">
-              <a:rot lat="0" lon="0" rev="0"/>
-            </a:camera>
-            <a:lightRig rig="threePt" dir="t">
-              <a:rot lat="0" lon="0" rev="1200000"/>
-            </a:lightRig>
-          </a:scene3d>
-          <a:sp3d>
-            <a:bevelT w="63500" h="25400"/>
-          </a:sp3d>
-        </a:effectStyle>
-      </a:effectStyleLst>
-      <a:bgFillStyleLst>
-        <a:solidFill>
-          <a:schemeClr val="phClr"/>
-        </a:solidFill>
-        <a:gradFill rotWithShape="1">
-          <a:gsLst>
-            <a:gs pos="0">
-              <a:schemeClr val="phClr">
-                <a:tint val="40000"/>
-                <a:satMod val="350000"/>
-              </a:schemeClr>
-            </a:gs>
-            <a:gs pos="40000">
-              <a:schemeClr val="phClr">
-                <a:tint val="45000"/>
-                <a:shade val="99000"/>
-                <a:satMod val="350000"/>
-              </a:schemeClr>
-            </a:gs>
-            <a:gs pos="100000">
-              <a:schemeClr val="phClr">
-                <a:shade val="20000"/>
-                <a:satMod val="255000"/>
-              </a:schemeClr>
-            </a:gs>
-          </a:gsLst>
-          <a:path path="circle">
-            <a:fillToRect l="50000" t="-80000" r="50000" b="180000"/>
-          </a:path>
-        </a:gradFill>
-        <a:gradFill rotWithShape="1">
-          <a:gsLst>
-            <a:gs pos="0">
-              <a:schemeClr val="phClr">
-                <a:tint val="80000"/>
-                <a:satMod val="300000"/>
-              </a:schemeClr>
-            </a:gs>
-            <a:gs pos="100000">
-              <a:schemeClr val="phClr">
-                <a:shade val="30000"/>
-                <a:satMod val="200000"/>
-              </a:schemeClr>
-            </a:gs>
-          </a:gsLst>
-          <a:path path="circle">
-            <a:fillToRect l="50000" t="50000" r="50000" b="50000"/>
-          </a:path>
-        </a:gradFill>
-      </a:bgFillStyleLst>
-    </a:fmtScheme>
-  </a:themeElements>
-</a:theme>
 </file>